--- a/학회 제출본/게임 및 영상 분석 작업/5. 타 장르 분석/2. 시트지 기반 분석 PPT/200720_하계특훈_Tekken&Hearthstone&Overwatch.pptx
+++ b/학회 제출본/게임 및 영상 분석 작업/5. 타 장르 분석/2. 시트지 기반 분석 PPT/200720_하계특훈_Tekken&Hearthstone&Overwatch.pptx
@@ -5,29 +5,28 @@
     <p:sldMasterId id="2147483660" r:id="rId1"/>
   </p:sldMasterIdLst>
   <p:notesMasterIdLst>
-    <p:notesMasterId r:id="rId22"/>
+    <p:notesMasterId r:id="rId21"/>
   </p:notesMasterIdLst>
   <p:sldIdLst>
-    <p:sldId id="259" r:id="rId2"/>
-    <p:sldId id="308" r:id="rId3"/>
-    <p:sldId id="322" r:id="rId4"/>
-    <p:sldId id="323" r:id="rId5"/>
-    <p:sldId id="324" r:id="rId6"/>
-    <p:sldId id="325" r:id="rId7"/>
-    <p:sldId id="326" r:id="rId8"/>
-    <p:sldId id="327" r:id="rId9"/>
-    <p:sldId id="328" r:id="rId10"/>
-    <p:sldId id="329" r:id="rId11"/>
-    <p:sldId id="330" r:id="rId12"/>
-    <p:sldId id="332" r:id="rId13"/>
-    <p:sldId id="331" r:id="rId14"/>
-    <p:sldId id="314" r:id="rId15"/>
-    <p:sldId id="317" r:id="rId16"/>
-    <p:sldId id="318" r:id="rId17"/>
-    <p:sldId id="319" r:id="rId18"/>
-    <p:sldId id="320" r:id="rId19"/>
-    <p:sldId id="321" r:id="rId20"/>
-    <p:sldId id="334" r:id="rId21"/>
+    <p:sldId id="308" r:id="rId2"/>
+    <p:sldId id="322" r:id="rId3"/>
+    <p:sldId id="323" r:id="rId4"/>
+    <p:sldId id="324" r:id="rId5"/>
+    <p:sldId id="325" r:id="rId6"/>
+    <p:sldId id="326" r:id="rId7"/>
+    <p:sldId id="327" r:id="rId8"/>
+    <p:sldId id="328" r:id="rId9"/>
+    <p:sldId id="329" r:id="rId10"/>
+    <p:sldId id="330" r:id="rId11"/>
+    <p:sldId id="332" r:id="rId12"/>
+    <p:sldId id="331" r:id="rId13"/>
+    <p:sldId id="314" r:id="rId14"/>
+    <p:sldId id="317" r:id="rId15"/>
+    <p:sldId id="318" r:id="rId16"/>
+    <p:sldId id="319" r:id="rId17"/>
+    <p:sldId id="320" r:id="rId18"/>
+    <p:sldId id="321" r:id="rId19"/>
+    <p:sldId id="334" r:id="rId20"/>
   </p:sldIdLst>
   <p:sldSz cx="12192000" cy="6858000"/>
   <p:notesSz cx="6858000" cy="9144000"/>
@@ -10142,7 +10141,7 @@
           <a:p>
             <a:fld id="{413548A9-17B7-486F-BAE8-5C551821AB5E}" type="datetimeFigureOut">
               <a:rPr lang="ko-KR" altLang="en-US" smtClean="0"/>
-              <a:t>2020-08-25</a:t>
+              <a:t>2020-09-20</a:t>
             </a:fld>
             <a:endParaRPr lang="ko-KR" altLang="en-US"/>
           </a:p>
@@ -10547,7 +10546,7 @@
                   </a:prstClr>
                 </a:solidFill>
               </a:rPr>
-              <a:t>2020-08-25</a:t>
+              <a:t>2020-09-20</a:t>
             </a:fld>
             <a:endParaRPr lang="ko-KR" altLang="en-US">
               <a:solidFill>
@@ -10712,7 +10711,7 @@
                   </a:prstClr>
                 </a:solidFill>
               </a:rPr>
-              <a:t>2020-08-25</a:t>
+              <a:t>2020-09-20</a:t>
             </a:fld>
             <a:endParaRPr lang="ko-KR" altLang="en-US">
               <a:solidFill>
@@ -10887,7 +10886,7 @@
                   </a:prstClr>
                 </a:solidFill>
               </a:rPr>
-              <a:t>2020-08-25</a:t>
+              <a:t>2020-09-20</a:t>
             </a:fld>
             <a:endParaRPr lang="ko-KR" altLang="en-US">
               <a:solidFill>
@@ -11052,7 +11051,7 @@
                   </a:prstClr>
                 </a:solidFill>
               </a:rPr>
-              <a:t>2020-08-25</a:t>
+              <a:t>2020-09-20</a:t>
             </a:fld>
             <a:endParaRPr lang="ko-KR" altLang="en-US">
               <a:solidFill>
@@ -11293,7 +11292,7 @@
                   </a:prstClr>
                 </a:solidFill>
               </a:rPr>
-              <a:t>2020-08-25</a:t>
+              <a:t>2020-09-20</a:t>
             </a:fld>
             <a:endParaRPr lang="ko-KR" altLang="en-US">
               <a:solidFill>
@@ -11520,7 +11519,7 @@
                   </a:prstClr>
                 </a:solidFill>
               </a:rPr>
-              <a:t>2020-08-25</a:t>
+              <a:t>2020-09-20</a:t>
             </a:fld>
             <a:endParaRPr lang="ko-KR" altLang="en-US">
               <a:solidFill>
@@ -11882,7 +11881,7 @@
                   </a:prstClr>
                 </a:solidFill>
               </a:rPr>
-              <a:t>2020-08-25</a:t>
+              <a:t>2020-09-20</a:t>
             </a:fld>
             <a:endParaRPr lang="ko-KR" altLang="en-US">
               <a:solidFill>
@@ -11995,7 +11994,7 @@
                   </a:prstClr>
                 </a:solidFill>
               </a:rPr>
-              <a:t>2020-08-25</a:t>
+              <a:t>2020-09-20</a:t>
             </a:fld>
             <a:endParaRPr lang="ko-KR" altLang="en-US">
               <a:solidFill>
@@ -12085,7 +12084,7 @@
                   </a:prstClr>
                 </a:solidFill>
               </a:rPr>
-              <a:t>2020-08-25</a:t>
+              <a:t>2020-09-20</a:t>
             </a:fld>
             <a:endParaRPr lang="ko-KR" altLang="en-US">
               <a:solidFill>
@@ -12357,7 +12356,7 @@
                   </a:prstClr>
                 </a:solidFill>
               </a:rPr>
-              <a:t>2020-08-25</a:t>
+              <a:t>2020-09-20</a:t>
             </a:fld>
             <a:endParaRPr lang="ko-KR" altLang="en-US">
               <a:solidFill>
@@ -12605,7 +12604,7 @@
                   </a:prstClr>
                 </a:solidFill>
               </a:rPr>
-              <a:t>2020-08-25</a:t>
+              <a:t>2020-09-20</a:t>
             </a:fld>
             <a:endParaRPr lang="ko-KR" altLang="en-US">
               <a:solidFill>
@@ -12813,7 +12812,7 @@
                   </a:prstClr>
                 </a:solidFill>
               </a:rPr>
-              <a:t>2020-08-25</a:t>
+              <a:t>2020-09-20</a:t>
             </a:fld>
             <a:endParaRPr lang="ko-KR" altLang="en-US">
               <a:solidFill>
@@ -13339,48 +13338,13 @@
       </p:grpSpPr>
       <p:cxnSp>
         <p:nvCxnSpPr>
-          <p:cNvPr id="36" name="직선 연결선 35"/>
+          <p:cNvPr id="8" name="직선 연결선 7"/>
           <p:cNvCxnSpPr/>
           <p:nvPr/>
         </p:nvCxnSpPr>
         <p:spPr>
           <a:xfrm>
-            <a:off x="4324692" y="3382913"/>
-            <a:ext cx="3600000" cy="0"/>
-          </a:xfrm>
-          <a:prstGeom prst="line">
-            <a:avLst/>
-          </a:prstGeom>
-          <a:ln>
-            <a:solidFill>
-              <a:srgbClr val="D02646"/>
-            </a:solidFill>
-          </a:ln>
-        </p:spPr>
-        <p:style>
-          <a:lnRef idx="1">
-            <a:schemeClr val="accent1"/>
-          </a:lnRef>
-          <a:fillRef idx="0">
-            <a:schemeClr val="accent1"/>
-          </a:fillRef>
-          <a:effectRef idx="0">
-            <a:schemeClr val="accent1"/>
-          </a:effectRef>
-          <a:fontRef idx="minor">
-            <a:schemeClr val="tx1"/>
-          </a:fontRef>
-        </p:style>
-      </p:cxnSp>
-      <p:cxnSp>
-        <p:nvCxnSpPr>
-          <p:cNvPr id="23" name="직선 연결선 22"/>
-          <p:cNvCxnSpPr/>
-          <p:nvPr/>
-        </p:nvCxnSpPr>
-        <p:spPr>
-          <a:xfrm>
-            <a:off x="589055" y="2644836"/>
+            <a:off x="605680" y="6678910"/>
             <a:ext cx="10800000" cy="0"/>
           </a:xfrm>
           <a:prstGeom prst="line">
@@ -13409,309 +13373,6 @@
       </p:cxnSp>
       <p:sp>
         <p:nvSpPr>
-          <p:cNvPr id="24" name="직사각형 23"/>
-          <p:cNvSpPr/>
-          <p:nvPr/>
-        </p:nvSpPr>
-        <p:spPr>
-          <a:xfrm>
-            <a:off x="2624269" y="2061984"/>
-            <a:ext cx="7000847" cy="1208023"/>
-          </a:xfrm>
-          <a:prstGeom prst="rect">
-            <a:avLst/>
-          </a:prstGeom>
-          <a:solidFill>
-            <a:srgbClr val="EAEEFA"/>
-          </a:solidFill>
-        </p:spPr>
-        <p:txBody>
-          <a:bodyPr wrap="square">
-            <a:spAutoFit/>
-          </a:bodyPr>
-          <a:lstStyle/>
-          <a:p>
-            <a:pPr algn="ctr" fontAlgn="base"/>
-            <a:r>
-              <a:rPr lang="ko-KR" altLang="en-US" sz="2800" b="1" dirty="0"/>
-              <a:t>방송을 통한 </a:t>
-            </a:r>
-            <a:r>
-              <a:rPr lang="ko-KR" altLang="en-US" sz="2800" b="1" dirty="0" err="1" smtClean="0"/>
-              <a:t>루돌로지</a:t>
-            </a:r>
-            <a:r>
-              <a:rPr lang="ko-KR" altLang="en-US" sz="2800" b="1" dirty="0" smtClean="0"/>
-              <a:t> 게임의 </a:t>
-            </a:r>
-            <a:r>
-              <a:rPr lang="ko-KR" altLang="en-US" sz="2800" b="1" dirty="0" err="1" smtClean="0"/>
-              <a:t>스토리텔링</a:t>
-            </a:r>
-            <a:r>
-              <a:rPr lang="ko-KR" altLang="en-US" sz="2800" b="1" dirty="0" smtClean="0"/>
-              <a:t> 획득과 게임 </a:t>
-            </a:r>
-            <a:r>
-              <a:rPr lang="ko-KR" altLang="en-US" sz="2800" b="1" dirty="0"/>
-              <a:t>기획에의 적용 연구</a:t>
-            </a:r>
-          </a:p>
-          <a:p>
-            <a:pPr algn="ctr">
-              <a:lnSpc>
-                <a:spcPct val="150000"/>
-              </a:lnSpc>
-            </a:pPr>
-            <a:r>
-              <a:rPr lang="en-US" altLang="ko-KR" sz="1100" dirty="0">
-                <a:solidFill>
-                  <a:prstClr val="black">
-                    <a:lumMod val="65000"/>
-                    <a:lumOff val="35000"/>
-                  </a:prstClr>
-                </a:solidFill>
-              </a:rPr>
-              <a:t>A Study on the storytelling acquisition</a:t>
-            </a:r>
-            <a:r>
-              <a:rPr lang="ko-KR" altLang="en-US" sz="1100" dirty="0">
-                <a:solidFill>
-                  <a:prstClr val="black">
-                    <a:lumMod val="65000"/>
-                    <a:lumOff val="35000"/>
-                  </a:prstClr>
-                </a:solidFill>
-              </a:rPr>
-              <a:t> </a:t>
-            </a:r>
-            <a:r>
-              <a:rPr lang="en-US" altLang="ko-KR" sz="1100" dirty="0">
-                <a:solidFill>
-                  <a:prstClr val="black">
-                    <a:lumMod val="65000"/>
-                    <a:lumOff val="35000"/>
-                  </a:prstClr>
-                </a:solidFill>
-              </a:rPr>
-              <a:t>and application of </a:t>
-            </a:r>
-            <a:r>
-              <a:rPr lang="en-US" altLang="ko-KR" sz="1100" dirty="0" smtClean="0">
-                <a:solidFill>
-                  <a:prstClr val="black">
-                    <a:lumMod val="65000"/>
-                    <a:lumOff val="35000"/>
-                  </a:prstClr>
-                </a:solidFill>
-              </a:rPr>
-              <a:t>game </a:t>
-            </a:r>
-            <a:r>
-              <a:rPr lang="en-US" altLang="ko-KR" sz="1100" dirty="0">
-                <a:solidFill>
-                  <a:prstClr val="black">
-                    <a:lumMod val="65000"/>
-                    <a:lumOff val="35000"/>
-                  </a:prstClr>
-                </a:solidFill>
-              </a:rPr>
-              <a:t>through streaming service.</a:t>
-            </a:r>
-            <a:endParaRPr lang="ko-KR" altLang="en-US" sz="1100" dirty="0">
-              <a:solidFill>
-                <a:prstClr val="black">
-                  <a:lumMod val="65000"/>
-                  <a:lumOff val="35000"/>
-                </a:prstClr>
-              </a:solidFill>
-            </a:endParaRPr>
-          </a:p>
-        </p:txBody>
-      </p:sp>
-      <p:sp>
-        <p:nvSpPr>
-          <p:cNvPr id="31" name="직사각형 30"/>
-          <p:cNvSpPr/>
-          <p:nvPr/>
-        </p:nvSpPr>
-        <p:spPr>
-          <a:xfrm>
-            <a:off x="4804458" y="3379209"/>
-            <a:ext cx="2640467" cy="276999"/>
-          </a:xfrm>
-          <a:prstGeom prst="rect">
-            <a:avLst/>
-          </a:prstGeom>
-          <a:solidFill>
-            <a:srgbClr val="E05670"/>
-          </a:solidFill>
-        </p:spPr>
-        <p:txBody>
-          <a:bodyPr wrap="none">
-            <a:spAutoFit/>
-          </a:bodyPr>
-          <a:lstStyle/>
-          <a:p>
-            <a:pPr algn="ctr"/>
-            <a:r>
-              <a:rPr lang="ko-KR" altLang="en-US" sz="1200" b="1" dirty="0" err="1" smtClean="0">
-                <a:solidFill>
-                  <a:prstClr val="white"/>
-                </a:solidFill>
-              </a:rPr>
-              <a:t>게임공학과</a:t>
-            </a:r>
-            <a:r>
-              <a:rPr lang="ko-KR" altLang="en-US" sz="1200" b="1" dirty="0" smtClean="0">
-                <a:solidFill>
-                  <a:prstClr val="white"/>
-                </a:solidFill>
-              </a:rPr>
-              <a:t>  </a:t>
-            </a:r>
-            <a:r>
-              <a:rPr lang="en-US" altLang="ko-KR" sz="1200" b="1" dirty="0" smtClean="0">
-                <a:solidFill>
-                  <a:prstClr val="white"/>
-                </a:solidFill>
-              </a:rPr>
-              <a:t>2014180011  </a:t>
-            </a:r>
-            <a:r>
-              <a:rPr lang="ko-KR" altLang="en-US" sz="1200" b="1" dirty="0" smtClean="0">
-                <a:solidFill>
-                  <a:prstClr val="white"/>
-                </a:solidFill>
-              </a:rPr>
-              <a:t>김 영 범</a:t>
-            </a:r>
-            <a:endParaRPr lang="ko-KR" altLang="en-US" sz="1200" b="1" dirty="0">
-              <a:solidFill>
-                <a:prstClr val="white"/>
-              </a:solidFill>
-            </a:endParaRPr>
-          </a:p>
-        </p:txBody>
-      </p:sp>
-      <p:sp>
-        <p:nvSpPr>
-          <p:cNvPr id="6" name="직사각형 5">
-            <a:extLst>
-              <a:ext uri="{FF2B5EF4-FFF2-40B4-BE49-F238E27FC236}">
-                <a16:creationId xmlns:a16="http://schemas.microsoft.com/office/drawing/2014/main" id="{3FA00699-5178-465A-9F3F-130CF1431F70}"/>
-              </a:ext>
-            </a:extLst>
-          </p:cNvPr>
-          <p:cNvSpPr/>
-          <p:nvPr/>
-        </p:nvSpPr>
-        <p:spPr>
-          <a:xfrm>
-            <a:off x="589054" y="4688601"/>
-            <a:ext cx="2661221" cy="830997"/>
-          </a:xfrm>
-          <a:prstGeom prst="rect">
-            <a:avLst/>
-          </a:prstGeom>
-        </p:spPr>
-        <p:txBody>
-          <a:bodyPr wrap="square">
-            <a:spAutoFit/>
-          </a:bodyPr>
-          <a:lstStyle/>
-          <a:p>
-            <a:pPr>
-              <a:lnSpc>
-                <a:spcPct val="150000"/>
-              </a:lnSpc>
-            </a:pPr>
-            <a:r>
-              <a:rPr lang="en-US" altLang="ko-KR" sz="1600" dirty="0" smtClean="0">
-                <a:solidFill>
-                  <a:srgbClr val="44546A">
-                    <a:lumMod val="75000"/>
-                  </a:srgbClr>
-                </a:solidFill>
-              </a:rPr>
-              <a:t>2020</a:t>
-            </a:r>
-            <a:r>
-              <a:rPr lang="ko-KR" altLang="en-US" sz="1600" dirty="0" smtClean="0">
-                <a:solidFill>
-                  <a:srgbClr val="44546A">
-                    <a:lumMod val="75000"/>
-                  </a:srgbClr>
-                </a:solidFill>
-              </a:rPr>
-              <a:t>년도 </a:t>
-            </a:r>
-            <a:r>
-              <a:rPr lang="ko-KR" altLang="en-US" sz="1600" dirty="0" err="1" smtClean="0">
-                <a:solidFill>
-                  <a:srgbClr val="44546A">
-                    <a:lumMod val="75000"/>
-                  </a:srgbClr>
-                </a:solidFill>
-              </a:rPr>
-              <a:t>게임공학부</a:t>
-            </a:r>
-            <a:endParaRPr lang="en-US" altLang="ko-KR" sz="1600" dirty="0" smtClean="0">
-              <a:solidFill>
-                <a:srgbClr val="44546A">
-                  <a:lumMod val="75000"/>
-                </a:srgbClr>
-              </a:solidFill>
-            </a:endParaRPr>
-          </a:p>
-          <a:p>
-            <a:pPr>
-              <a:lnSpc>
-                <a:spcPct val="150000"/>
-              </a:lnSpc>
-            </a:pPr>
-            <a:r>
-              <a:rPr lang="ko-KR" altLang="en-US" sz="1600" dirty="0" smtClean="0">
-                <a:solidFill>
-                  <a:srgbClr val="44546A">
-                    <a:lumMod val="75000"/>
-                  </a:srgbClr>
-                </a:solidFill>
-              </a:rPr>
-              <a:t>종합설계</a:t>
-            </a:r>
-            <a:r>
-              <a:rPr lang="en-US" altLang="ko-KR" sz="1600" dirty="0" smtClean="0">
-                <a:solidFill>
-                  <a:srgbClr val="44546A">
-                    <a:lumMod val="75000"/>
-                  </a:srgbClr>
-                </a:solidFill>
-              </a:rPr>
-              <a:t> </a:t>
-            </a:r>
-            <a:r>
-              <a:rPr lang="ko-KR" altLang="en-US" sz="1600" dirty="0" smtClean="0">
-                <a:solidFill>
-                  <a:srgbClr val="44546A">
-                    <a:lumMod val="75000"/>
-                  </a:srgbClr>
-                </a:solidFill>
-              </a:rPr>
-              <a:t>졸업작품 발표</a:t>
-            </a:r>
-            <a:endParaRPr lang="en-US" altLang="ko-KR" sz="1600" dirty="0">
-              <a:solidFill>
-                <a:srgbClr val="44546A">
-                  <a:lumMod val="75000"/>
-                </a:srgbClr>
-              </a:solidFill>
-            </a:endParaRPr>
-          </a:p>
-        </p:txBody>
-      </p:sp>
-      <p:sp>
-        <p:nvSpPr>
           <p:cNvPr id="7" name="직사각형 6">
             <a:extLst>
               <a:ext uri="{FF2B5EF4-FFF2-40B4-BE49-F238E27FC236}">
@@ -13724,17 +13385,12 @@
         </p:nvSpPr>
         <p:spPr>
           <a:xfrm>
-            <a:off x="589055" y="5642533"/>
-            <a:ext cx="2661220" cy="461665"/>
+            <a:off x="938186" y="681634"/>
+            <a:ext cx="5213232" cy="553998"/>
           </a:xfrm>
           <a:prstGeom prst="rect">
             <a:avLst/>
           </a:prstGeom>
-          <a:ln w="12700">
-            <a:solidFill>
-              <a:schemeClr val="tx1"/>
-            </a:solidFill>
-          </a:ln>
         </p:spPr>
         <p:txBody>
           <a:bodyPr wrap="square" anchor="ctr">
@@ -13748,28 +13404,28 @@
               </a:lnSpc>
             </a:pPr>
             <a:r>
-              <a:rPr lang="en-US" altLang="ko-KR" sz="1600" dirty="0" smtClean="0">
-                <a:solidFill>
-                  <a:srgbClr val="44546A">
-                    <a:lumMod val="75000"/>
-                  </a:srgbClr>
-                </a:solidFill>
-              </a:rPr>
-              <a:t>Prof. </a:t>
+              <a:rPr lang="en-US" altLang="ko-KR" sz="2000" b="1" dirty="0" smtClean="0"/>
+              <a:t>1. </a:t>
             </a:r>
-            <a:endParaRPr lang="en-US" altLang="ko-KR" sz="1600" dirty="0">
-              <a:solidFill>
-                <a:srgbClr val="44546A">
-                  <a:lumMod val="75000"/>
-                </a:srgbClr>
-              </a:solidFill>
-            </a:endParaRPr>
+            <a:r>
+              <a:rPr lang="ko-KR" altLang="en-US" sz="2000" b="1" dirty="0" smtClean="0"/>
+              <a:t>모멘트 체</a:t>
+            </a:r>
+            <a:r>
+              <a:rPr lang="ko-KR" altLang="en-US" sz="2000" b="1" dirty="0"/>
+              <a:t>크</a:t>
+            </a:r>
+            <a:r>
+              <a:rPr lang="ko-KR" altLang="en-US" sz="2000" b="1" dirty="0" smtClean="0"/>
+              <a:t> 시트</a:t>
+            </a:r>
+            <a:endParaRPr lang="en-US" altLang="ko-KR" sz="2000" b="1" dirty="0"/>
           </a:p>
         </p:txBody>
       </p:sp>
       <p:sp>
         <p:nvSpPr>
-          <p:cNvPr id="8" name="직사각형 7">
+          <p:cNvPr id="13" name="직사각형 12">
             <a:extLst>
               <a:ext uri="{FF2B5EF4-FFF2-40B4-BE49-F238E27FC236}">
                 <a16:creationId xmlns:a16="http://schemas.microsoft.com/office/drawing/2014/main" id="{3FA00699-5178-465A-9F3F-130CF1431F70}"/>
@@ -13781,58 +13437,144 @@
         </p:nvSpPr>
         <p:spPr>
           <a:xfrm>
-            <a:off x="464363" y="6227133"/>
-            <a:ext cx="1854888" cy="461665"/>
+            <a:off x="2783609" y="2050575"/>
+            <a:ext cx="5027980" cy="553998"/>
           </a:xfrm>
           <a:prstGeom prst="rect">
             <a:avLst/>
           </a:prstGeom>
         </p:spPr>
         <p:txBody>
-          <a:bodyPr wrap="square">
+          <a:bodyPr wrap="square" anchor="ctr">
             <a:spAutoFit/>
           </a:bodyPr>
           <a:lstStyle/>
           <a:p>
-            <a:pPr algn="ctr">
+            <a:pPr>
               <a:lnSpc>
                 <a:spcPct val="150000"/>
               </a:lnSpc>
             </a:pPr>
             <a:r>
-              <a:rPr lang="en-US" altLang="ko-KR" sz="1600" dirty="0" smtClean="0">
-                <a:solidFill>
-                  <a:srgbClr val="44546A">
-                    <a:lumMod val="75000"/>
-                  </a:srgbClr>
-                </a:solidFill>
-              </a:rPr>
-              <a:t>2020 – 07 </a:t>
+              <a:rPr lang="en-US" altLang="ko-KR" sz="2000" b="1" dirty="0" smtClean="0"/>
+              <a:t>2. </a:t>
             </a:r>
             <a:r>
-              <a:rPr lang="en-US" altLang="ko-KR" sz="1600" smtClean="0">
-                <a:solidFill>
-                  <a:srgbClr val="44546A">
-                    <a:lumMod val="75000"/>
-                  </a:srgbClr>
-                </a:solidFill>
-              </a:rPr>
-              <a:t>– 20</a:t>
+              <a:rPr lang="ko-KR" altLang="en-US" sz="2000" b="1" dirty="0" smtClean="0"/>
+              <a:t>영상 카테고리화 </a:t>
             </a:r>
-            <a:endParaRPr lang="en-US" altLang="ko-KR" sz="1600" dirty="0">
-              <a:solidFill>
-                <a:srgbClr val="44546A">
-                  <a:lumMod val="75000"/>
-                </a:srgbClr>
-              </a:solidFill>
-            </a:endParaRPr>
+            <a:r>
+              <a:rPr lang="en-US" altLang="ko-KR" sz="2000" b="1" dirty="0" smtClean="0"/>
+              <a:t>- DBD</a:t>
+            </a:r>
+            <a:endParaRPr lang="en-US" altLang="ko-KR" sz="2000" b="1" dirty="0"/>
+          </a:p>
+        </p:txBody>
+      </p:sp>
+      <p:sp>
+        <p:nvSpPr>
+          <p:cNvPr id="14" name="직사각형 13">
+            <a:extLst>
+              <a:ext uri="{FF2B5EF4-FFF2-40B4-BE49-F238E27FC236}">
+                <a16:creationId xmlns:a16="http://schemas.microsoft.com/office/drawing/2014/main" id="{3FA00699-5178-465A-9F3F-130CF1431F70}"/>
+              </a:ext>
+            </a:extLst>
+          </p:cNvPr>
+          <p:cNvSpPr/>
+          <p:nvPr/>
+        </p:nvSpPr>
+        <p:spPr>
+          <a:xfrm>
+            <a:off x="4845479" y="3546343"/>
+            <a:ext cx="4807972" cy="553998"/>
+          </a:xfrm>
+          <a:prstGeom prst="rect">
+            <a:avLst/>
+          </a:prstGeom>
+        </p:spPr>
+        <p:txBody>
+          <a:bodyPr wrap="square" anchor="ctr">
+            <a:spAutoFit/>
+          </a:bodyPr>
+          <a:lstStyle/>
+          <a:p>
+            <a:pPr>
+              <a:lnSpc>
+                <a:spcPct val="150000"/>
+              </a:lnSpc>
+            </a:pPr>
+            <a:r>
+              <a:rPr lang="en-US" altLang="ko-KR" sz="2000" b="1" dirty="0" smtClean="0"/>
+              <a:t>3. </a:t>
+            </a:r>
+            <a:r>
+              <a:rPr lang="ko-KR" altLang="en-US" sz="2000" b="1" dirty="0"/>
+              <a:t>영상 카테고리화 </a:t>
+            </a:r>
+            <a:r>
+              <a:rPr lang="en-US" altLang="ko-KR" sz="2000" b="1" dirty="0" smtClean="0"/>
+              <a:t>– </a:t>
+            </a:r>
+            <a:r>
+              <a:rPr lang="ko-KR" altLang="en-US" sz="2000" b="1" dirty="0" smtClean="0"/>
+              <a:t>타 장르</a:t>
+            </a:r>
+            <a:endParaRPr lang="en-US" altLang="ko-KR" sz="2000" b="1" dirty="0"/>
+          </a:p>
+        </p:txBody>
+      </p:sp>
+      <p:sp>
+        <p:nvSpPr>
+          <p:cNvPr id="15" name="직사각형 14">
+            <a:extLst>
+              <a:ext uri="{FF2B5EF4-FFF2-40B4-BE49-F238E27FC236}">
+                <a16:creationId xmlns:a16="http://schemas.microsoft.com/office/drawing/2014/main" id="{3FA00699-5178-465A-9F3F-130CF1431F70}"/>
+              </a:ext>
+            </a:extLst>
+          </p:cNvPr>
+          <p:cNvSpPr/>
+          <p:nvPr/>
+        </p:nvSpPr>
+        <p:spPr>
+          <a:xfrm>
+            <a:off x="7040880" y="5042111"/>
+            <a:ext cx="4232366" cy="553998"/>
+          </a:xfrm>
+          <a:prstGeom prst="rect">
+            <a:avLst/>
+          </a:prstGeom>
+        </p:spPr>
+        <p:txBody>
+          <a:bodyPr wrap="square" anchor="ctr">
+            <a:spAutoFit/>
+          </a:bodyPr>
+          <a:lstStyle/>
+          <a:p>
+            <a:pPr>
+              <a:lnSpc>
+                <a:spcPct val="150000"/>
+              </a:lnSpc>
+            </a:pPr>
+            <a:r>
+              <a:rPr lang="en-US" altLang="ko-KR" sz="2000" b="1" dirty="0" smtClean="0"/>
+              <a:t>4. </a:t>
+            </a:r>
+            <a:r>
+              <a:rPr lang="ko-KR" altLang="en-US" sz="2000" b="1" dirty="0"/>
+              <a:t>영상 </a:t>
+            </a:r>
+            <a:r>
+              <a:rPr lang="ko-KR" altLang="en-US" sz="2000" b="1" dirty="0" smtClean="0"/>
+              <a:t>카테고리 그래프</a:t>
+            </a:r>
+            <a:endParaRPr lang="en-US" altLang="ko-KR" sz="2000" b="1" dirty="0"/>
           </a:p>
         </p:txBody>
       </p:sp>
     </p:spTree>
     <p:extLst>
       <p:ext uri="{BB962C8B-B14F-4D97-AF65-F5344CB8AC3E}">
-        <p14:creationId xmlns:p14="http://schemas.microsoft.com/office/powerpoint/2010/main" val="2820336349"/>
+        <p14:creationId xmlns:p14="http://schemas.microsoft.com/office/powerpoint/2010/main" val="2230190395"/>
       </p:ext>
     </p:extLst>
   </p:cSld>
@@ -13944,681 +13686,6 @@
           </a:fontRef>
         </p:style>
       </p:cxnSp>
-      <p:sp>
-        <p:nvSpPr>
-          <p:cNvPr id="11" name="직사각형 10"/>
-          <p:cNvSpPr/>
-          <p:nvPr/>
-        </p:nvSpPr>
-        <p:spPr>
-          <a:xfrm>
-            <a:off x="3646530" y="0"/>
-            <a:ext cx="4971967" cy="646331"/>
-          </a:xfrm>
-          <a:prstGeom prst="rect">
-            <a:avLst/>
-          </a:prstGeom>
-          <a:solidFill>
-            <a:srgbClr val="EAEEFA"/>
-          </a:solidFill>
-        </p:spPr>
-        <p:txBody>
-          <a:bodyPr wrap="square">
-            <a:spAutoFit/>
-          </a:bodyPr>
-          <a:lstStyle/>
-          <a:p>
-            <a:pPr algn="ctr" fontAlgn="base"/>
-            <a:r>
-              <a:rPr lang="ko-KR" altLang="en-US" b="1" dirty="0"/>
-              <a:t>방송을 통한 </a:t>
-            </a:r>
-            <a:r>
-              <a:rPr lang="ko-KR" altLang="en-US" b="1" dirty="0" err="1"/>
-              <a:t>루돌로지</a:t>
-            </a:r>
-            <a:r>
-              <a:rPr lang="ko-KR" altLang="en-US" b="1" dirty="0"/>
-              <a:t> 게임의 </a:t>
-            </a:r>
-            <a:r>
-              <a:rPr lang="ko-KR" altLang="en-US" b="1" dirty="0" err="1"/>
-              <a:t>스토리텔링</a:t>
-            </a:r>
-            <a:r>
-              <a:rPr lang="ko-KR" altLang="en-US" b="1" dirty="0"/>
-              <a:t> </a:t>
-            </a:r>
-            <a:r>
-              <a:rPr lang="en-US" altLang="ko-KR" b="1" dirty="0" smtClean="0"/>
-              <a:t/>
-            </a:r>
-            <a:br>
-              <a:rPr lang="en-US" altLang="ko-KR" b="1" dirty="0" smtClean="0"/>
-            </a:br>
-            <a:r>
-              <a:rPr lang="ko-KR" altLang="en-US" b="1" dirty="0" smtClean="0"/>
-              <a:t>획득과 </a:t>
-            </a:r>
-            <a:r>
-              <a:rPr lang="ko-KR" altLang="en-US" b="1" dirty="0"/>
-              <a:t>게임 기획에의 적용 </a:t>
-            </a:r>
-            <a:r>
-              <a:rPr lang="ko-KR" altLang="en-US" b="1" dirty="0" smtClean="0"/>
-              <a:t>연구</a:t>
-            </a:r>
-            <a:endParaRPr lang="ko-KR" altLang="en-US" b="1" dirty="0"/>
-          </a:p>
-        </p:txBody>
-      </p:sp>
-      <p:sp>
-        <p:nvSpPr>
-          <p:cNvPr id="15" name="직사각형 14">
-            <a:extLst>
-              <a:ext uri="{FF2B5EF4-FFF2-40B4-BE49-F238E27FC236}">
-                <a16:creationId xmlns:a16="http://schemas.microsoft.com/office/drawing/2014/main" id="{3FA00699-5178-465A-9F3F-130CF1431F70}"/>
-              </a:ext>
-            </a:extLst>
-          </p:cNvPr>
-          <p:cNvSpPr/>
-          <p:nvPr/>
-        </p:nvSpPr>
-        <p:spPr>
-          <a:xfrm>
-            <a:off x="589055" y="52289"/>
-            <a:ext cx="5287779" cy="373885"/>
-          </a:xfrm>
-          <a:prstGeom prst="rect">
-            <a:avLst/>
-          </a:prstGeom>
-        </p:spPr>
-        <p:txBody>
-          <a:bodyPr wrap="square" anchor="ctr">
-            <a:spAutoFit/>
-          </a:bodyPr>
-          <a:lstStyle/>
-          <a:p>
-            <a:pPr>
-              <a:lnSpc>
-                <a:spcPct val="150000"/>
-              </a:lnSpc>
-            </a:pPr>
-            <a:r>
-              <a:rPr lang="en-US" altLang="ko-KR" sz="1400" b="1" dirty="0"/>
-              <a:t>3. </a:t>
-            </a:r>
-            <a:r>
-              <a:rPr lang="ko-KR" altLang="en-US" sz="1400" b="1" dirty="0"/>
-              <a:t>영상 카테고리화 </a:t>
-            </a:r>
-            <a:r>
-              <a:rPr lang="en-US" altLang="ko-KR" sz="1400" b="1" dirty="0"/>
-              <a:t>– </a:t>
-            </a:r>
-            <a:r>
-              <a:rPr lang="ko-KR" altLang="en-US" sz="1400" b="1" dirty="0"/>
-              <a:t>타 장르</a:t>
-            </a:r>
-            <a:endParaRPr lang="en-US" altLang="ko-KR" sz="1400" b="1" dirty="0"/>
-          </a:p>
-        </p:txBody>
-      </p:sp>
-      <p:sp>
-        <p:nvSpPr>
-          <p:cNvPr id="20" name="직사각형 19">
-            <a:extLst>
-              <a:ext uri="{FF2B5EF4-FFF2-40B4-BE49-F238E27FC236}">
-                <a16:creationId xmlns:a16="http://schemas.microsoft.com/office/drawing/2014/main" id="{3FA00699-5178-465A-9F3F-130CF1431F70}"/>
-              </a:ext>
-            </a:extLst>
-          </p:cNvPr>
-          <p:cNvSpPr/>
-          <p:nvPr/>
-        </p:nvSpPr>
-        <p:spPr>
-          <a:xfrm>
-            <a:off x="589054" y="547161"/>
-            <a:ext cx="4714466" cy="646331"/>
-          </a:xfrm>
-          <a:prstGeom prst="rect">
-            <a:avLst/>
-          </a:prstGeom>
-        </p:spPr>
-        <p:txBody>
-          <a:bodyPr wrap="square" anchor="ctr">
-            <a:spAutoFit/>
-          </a:bodyPr>
-          <a:lstStyle/>
-          <a:p>
-            <a:pPr>
-              <a:lnSpc>
-                <a:spcPct val="150000"/>
-              </a:lnSpc>
-            </a:pPr>
-            <a:r>
-              <a:rPr lang="ko-KR" altLang="en-US" sz="2400" b="1" dirty="0" err="1" smtClean="0">
-                <a:solidFill>
-                  <a:srgbClr val="44546A">
-                    <a:lumMod val="75000"/>
-                  </a:srgbClr>
-                </a:solidFill>
-              </a:rPr>
-              <a:t>옥냥</a:t>
-            </a:r>
-            <a:r>
-              <a:rPr lang="ko-KR" altLang="en-US" sz="2400" b="1" dirty="0" err="1">
-                <a:solidFill>
-                  <a:srgbClr val="44546A">
-                    <a:lumMod val="75000"/>
-                  </a:srgbClr>
-                </a:solidFill>
-              </a:rPr>
-              <a:t>이</a:t>
-            </a:r>
-            <a:r>
-              <a:rPr lang="en-US" altLang="ko-KR" sz="2400" b="1" dirty="0" smtClean="0">
-                <a:solidFill>
-                  <a:srgbClr val="44546A">
-                    <a:lumMod val="75000"/>
-                  </a:srgbClr>
-                </a:solidFill>
-              </a:rPr>
-              <a:t>(Hearthstone) </a:t>
-            </a:r>
-            <a:r>
-              <a:rPr lang="ko-KR" altLang="en-US" sz="2400" b="1" dirty="0" smtClean="0">
-                <a:solidFill>
-                  <a:srgbClr val="44546A">
-                    <a:lumMod val="75000"/>
-                  </a:srgbClr>
-                </a:solidFill>
-              </a:rPr>
-              <a:t>영상 작업</a:t>
-            </a:r>
-            <a:endParaRPr lang="en-US" altLang="ko-KR" sz="2400" b="1" dirty="0">
-              <a:solidFill>
-                <a:srgbClr val="44546A">
-                  <a:lumMod val="75000"/>
-                </a:srgbClr>
-              </a:solidFill>
-            </a:endParaRPr>
-          </a:p>
-        </p:txBody>
-      </p:sp>
-      <p:pic>
-        <p:nvPicPr>
-          <p:cNvPr id="5122" name="Picture 2"/>
-          <p:cNvPicPr>
-            <a:picLocks noChangeAspect="1" noChangeArrowheads="1"/>
-          </p:cNvPicPr>
-          <p:nvPr/>
-        </p:nvPicPr>
-        <p:blipFill>
-          <a:blip r:embed="rId2">
-            <a:extLst>
-              <a:ext uri="{28A0092B-C50C-407E-A947-70E740481C1C}">
-                <a14:useLocalDpi xmlns:a14="http://schemas.microsoft.com/office/drawing/2010/main" val="0"/>
-              </a:ext>
-            </a:extLst>
-          </a:blip>
-          <a:srcRect/>
-          <a:stretch>
-            <a:fillRect/>
-          </a:stretch>
-        </p:blipFill>
-        <p:spPr bwMode="auto">
-          <a:xfrm>
-            <a:off x="589053" y="1306627"/>
-            <a:ext cx="5863998" cy="4993770"/>
-          </a:xfrm>
-          <a:prstGeom prst="rect">
-            <a:avLst/>
-          </a:prstGeom>
-          <a:noFill/>
-          <a:ln>
-            <a:noFill/>
-          </a:ln>
-          <a:effectLst/>
-          <a:extLst>
-            <a:ext uri="{909E8E84-426E-40DD-AFC4-6F175D3DCCD1}">
-              <a14:hiddenFill xmlns:a14="http://schemas.microsoft.com/office/drawing/2010/main">
-                <a:solidFill>
-                  <a:schemeClr val="accent1"/>
-                </a:solidFill>
-              </a14:hiddenFill>
-            </a:ext>
-            <a:ext uri="{91240B29-F687-4F45-9708-019B960494DF}">
-              <a14:hiddenLine xmlns:a14="http://schemas.microsoft.com/office/drawing/2010/main" w="9525">
-                <a:solidFill>
-                  <a:schemeClr val="tx1"/>
-                </a:solidFill>
-                <a:miter lim="800000"/>
-                <a:headEnd/>
-                <a:tailEnd/>
-              </a14:hiddenLine>
-            </a:ext>
-            <a:ext uri="{AF507438-7753-43E0-B8FC-AC1667EBCBE1}">
-              <a14:hiddenEffects xmlns:a14="http://schemas.microsoft.com/office/drawing/2010/main">
-                <a:effectLst>
-                  <a:outerShdw dist="35921" dir="2700000" algn="ctr" rotWithShape="0">
-                    <a:schemeClr val="bg2"/>
-                  </a:outerShdw>
-                </a:effectLst>
-              </a14:hiddenEffects>
-            </a:ext>
-          </a:extLst>
-        </p:spPr>
-      </p:pic>
-      <p:pic>
-        <p:nvPicPr>
-          <p:cNvPr id="5124" name="Picture 4"/>
-          <p:cNvPicPr>
-            <a:picLocks noChangeAspect="1" noChangeArrowheads="1"/>
-          </p:cNvPicPr>
-          <p:nvPr/>
-        </p:nvPicPr>
-        <p:blipFill>
-          <a:blip r:embed="rId3">
-            <a:extLst>
-              <a:ext uri="{28A0092B-C50C-407E-A947-70E740481C1C}">
-                <a14:useLocalDpi xmlns:a14="http://schemas.microsoft.com/office/drawing/2010/main" val="0"/>
-              </a:ext>
-            </a:extLst>
-          </a:blip>
-          <a:srcRect/>
-          <a:stretch>
-            <a:fillRect/>
-          </a:stretch>
-        </p:blipFill>
-        <p:spPr bwMode="auto">
-          <a:xfrm>
-            <a:off x="7077099" y="3010716"/>
-            <a:ext cx="4515997" cy="1110887"/>
-          </a:xfrm>
-          <a:prstGeom prst="rect">
-            <a:avLst/>
-          </a:prstGeom>
-          <a:noFill/>
-          <a:ln>
-            <a:noFill/>
-          </a:ln>
-          <a:effectLst/>
-          <a:extLst>
-            <a:ext uri="{909E8E84-426E-40DD-AFC4-6F175D3DCCD1}">
-              <a14:hiddenFill xmlns:a14="http://schemas.microsoft.com/office/drawing/2010/main">
-                <a:solidFill>
-                  <a:schemeClr val="accent1"/>
-                </a:solidFill>
-              </a14:hiddenFill>
-            </a:ext>
-            <a:ext uri="{91240B29-F687-4F45-9708-019B960494DF}">
-              <a14:hiddenLine xmlns:a14="http://schemas.microsoft.com/office/drawing/2010/main" w="9525">
-                <a:solidFill>
-                  <a:schemeClr val="tx1"/>
-                </a:solidFill>
-                <a:miter lim="800000"/>
-                <a:headEnd/>
-                <a:tailEnd/>
-              </a14:hiddenLine>
-            </a:ext>
-            <a:ext uri="{AF507438-7753-43E0-B8FC-AC1667EBCBE1}">
-              <a14:hiddenEffects xmlns:a14="http://schemas.microsoft.com/office/drawing/2010/main">
-                <a:effectLst>
-                  <a:outerShdw dist="35921" dir="2700000" algn="ctr" rotWithShape="0">
-                    <a:schemeClr val="bg2"/>
-                  </a:outerShdw>
-                </a:effectLst>
-              </a14:hiddenEffects>
-            </a:ext>
-          </a:extLst>
-        </p:spPr>
-      </p:pic>
-      <p:sp>
-        <p:nvSpPr>
-          <p:cNvPr id="19" name="액자 18"/>
-          <p:cNvSpPr/>
-          <p:nvPr/>
-        </p:nvSpPr>
-        <p:spPr>
-          <a:xfrm>
-            <a:off x="1495451" y="1807296"/>
-            <a:ext cx="2151079" cy="766087"/>
-          </a:xfrm>
-          <a:prstGeom prst="frame">
-            <a:avLst>
-              <a:gd name="adj1" fmla="val 3903"/>
-            </a:avLst>
-          </a:prstGeom>
-          <a:solidFill>
-            <a:srgbClr val="FF0000"/>
-          </a:solidFill>
-          <a:ln>
-            <a:solidFill>
-              <a:srgbClr val="FF0000"/>
-            </a:solidFill>
-          </a:ln>
-        </p:spPr>
-        <p:style>
-          <a:lnRef idx="2">
-            <a:schemeClr val="accent1">
-              <a:shade val="50000"/>
-            </a:schemeClr>
-          </a:lnRef>
-          <a:fillRef idx="1">
-            <a:schemeClr val="accent1"/>
-          </a:fillRef>
-          <a:effectRef idx="0">
-            <a:schemeClr val="accent1"/>
-          </a:effectRef>
-          <a:fontRef idx="minor">
-            <a:schemeClr val="lt1"/>
-          </a:fontRef>
-        </p:style>
-        <p:txBody>
-          <a:bodyPr rtlCol="0" anchor="ctr"/>
-          <a:lstStyle/>
-          <a:p>
-            <a:pPr algn="ctr"/>
-            <a:endParaRPr lang="ko-KR" altLang="en-US">
-              <a:solidFill>
-                <a:schemeClr val="tx1"/>
-              </a:solidFill>
-            </a:endParaRPr>
-          </a:p>
-        </p:txBody>
-      </p:sp>
-      <p:sp>
-        <p:nvSpPr>
-          <p:cNvPr id="17" name="액자 16"/>
-          <p:cNvSpPr/>
-          <p:nvPr/>
-        </p:nvSpPr>
-        <p:spPr>
-          <a:xfrm>
-            <a:off x="1495451" y="3566160"/>
-            <a:ext cx="4957600" cy="671918"/>
-          </a:xfrm>
-          <a:prstGeom prst="frame">
-            <a:avLst>
-              <a:gd name="adj1" fmla="val 3903"/>
-            </a:avLst>
-          </a:prstGeom>
-          <a:solidFill>
-            <a:srgbClr val="FF0000"/>
-          </a:solidFill>
-          <a:ln>
-            <a:solidFill>
-              <a:srgbClr val="FF0000"/>
-            </a:solidFill>
-          </a:ln>
-        </p:spPr>
-        <p:style>
-          <a:lnRef idx="2">
-            <a:schemeClr val="accent1">
-              <a:shade val="50000"/>
-            </a:schemeClr>
-          </a:lnRef>
-          <a:fillRef idx="1">
-            <a:schemeClr val="accent1"/>
-          </a:fillRef>
-          <a:effectRef idx="0">
-            <a:schemeClr val="accent1"/>
-          </a:effectRef>
-          <a:fontRef idx="minor">
-            <a:schemeClr val="lt1"/>
-          </a:fontRef>
-        </p:style>
-        <p:txBody>
-          <a:bodyPr rtlCol="0" anchor="ctr"/>
-          <a:lstStyle/>
-          <a:p>
-            <a:pPr algn="ctr"/>
-            <a:endParaRPr lang="ko-KR" altLang="en-US">
-              <a:solidFill>
-                <a:schemeClr val="tx1"/>
-              </a:solidFill>
-            </a:endParaRPr>
-          </a:p>
-        </p:txBody>
-      </p:sp>
-      <p:sp>
-        <p:nvSpPr>
-          <p:cNvPr id="18" name="액자 17"/>
-          <p:cNvSpPr/>
-          <p:nvPr/>
-        </p:nvSpPr>
-        <p:spPr>
-          <a:xfrm>
-            <a:off x="1692343" y="5342708"/>
-            <a:ext cx="2814343" cy="671918"/>
-          </a:xfrm>
-          <a:prstGeom prst="frame">
-            <a:avLst>
-              <a:gd name="adj1" fmla="val 3903"/>
-            </a:avLst>
-          </a:prstGeom>
-          <a:solidFill>
-            <a:srgbClr val="FF0000"/>
-          </a:solidFill>
-          <a:ln>
-            <a:solidFill>
-              <a:srgbClr val="FF0000"/>
-            </a:solidFill>
-          </a:ln>
-        </p:spPr>
-        <p:style>
-          <a:lnRef idx="2">
-            <a:schemeClr val="accent1">
-              <a:shade val="50000"/>
-            </a:schemeClr>
-          </a:lnRef>
-          <a:fillRef idx="1">
-            <a:schemeClr val="accent1"/>
-          </a:fillRef>
-          <a:effectRef idx="0">
-            <a:schemeClr val="accent1"/>
-          </a:effectRef>
-          <a:fontRef idx="minor">
-            <a:schemeClr val="lt1"/>
-          </a:fontRef>
-        </p:style>
-        <p:txBody>
-          <a:bodyPr rtlCol="0" anchor="ctr"/>
-          <a:lstStyle/>
-          <a:p>
-            <a:pPr algn="ctr"/>
-            <a:endParaRPr lang="ko-KR" altLang="en-US">
-              <a:solidFill>
-                <a:schemeClr val="tx1"/>
-              </a:solidFill>
-            </a:endParaRPr>
-          </a:p>
-        </p:txBody>
-      </p:sp>
-    </p:spTree>
-    <p:extLst>
-      <p:ext uri="{BB962C8B-B14F-4D97-AF65-F5344CB8AC3E}">
-        <p14:creationId xmlns:p14="http://schemas.microsoft.com/office/powerpoint/2010/main" val="735351560"/>
-      </p:ext>
-    </p:extLst>
-  </p:cSld>
-  <p:clrMapOvr>
-    <a:masterClrMapping/>
-  </p:clrMapOvr>
-  <p:timing>
-    <p:tnLst>
-      <p:par>
-        <p:cTn id="1" dur="indefinite" restart="never" nodeType="tmRoot"/>
-      </p:par>
-    </p:tnLst>
-  </p:timing>
-</p:sld>
-</file>
-
-<file path=ppt/slides/slide11.xml><?xml version="1.0" encoding="utf-8"?>
-<p:sld xmlns:a="http://schemas.openxmlformats.org/drawingml/2006/main" xmlns:r="http://schemas.openxmlformats.org/officeDocument/2006/relationships" xmlns:p="http://schemas.openxmlformats.org/presentationml/2006/main">
-  <p:cSld>
-    <p:bg>
-      <p:bgPr>
-        <a:solidFill>
-          <a:srgbClr val="EAEEFA"/>
-        </a:solidFill>
-        <a:effectLst/>
-      </p:bgPr>
-    </p:bg>
-    <p:spTree>
-      <p:nvGrpSpPr>
-        <p:cNvPr id="1" name=""/>
-        <p:cNvGrpSpPr/>
-        <p:nvPr/>
-      </p:nvGrpSpPr>
-      <p:grpSpPr>
-        <a:xfrm>
-          <a:off x="0" y="0"/>
-          <a:ext cx="0" cy="0"/>
-          <a:chOff x="0" y="0"/>
-          <a:chExt cx="0" cy="0"/>
-        </a:xfrm>
-      </p:grpSpPr>
-      <p:cxnSp>
-        <p:nvCxnSpPr>
-          <p:cNvPr id="8" name="직선 연결선 7"/>
-          <p:cNvCxnSpPr/>
-          <p:nvPr/>
-        </p:nvCxnSpPr>
-        <p:spPr>
-          <a:xfrm>
-            <a:off x="605680" y="6678910"/>
-            <a:ext cx="10800000" cy="0"/>
-          </a:xfrm>
-          <a:prstGeom prst="line">
-            <a:avLst/>
-          </a:prstGeom>
-          <a:ln>
-            <a:solidFill>
-              <a:srgbClr val="D02646"/>
-            </a:solidFill>
-          </a:ln>
-        </p:spPr>
-        <p:style>
-          <a:lnRef idx="1">
-            <a:schemeClr val="accent1"/>
-          </a:lnRef>
-          <a:fillRef idx="0">
-            <a:schemeClr val="accent1"/>
-          </a:fillRef>
-          <a:effectRef idx="0">
-            <a:schemeClr val="accent1"/>
-          </a:effectRef>
-          <a:fontRef idx="minor">
-            <a:schemeClr val="tx1"/>
-          </a:fontRef>
-        </p:style>
-      </p:cxnSp>
-      <p:cxnSp>
-        <p:nvCxnSpPr>
-          <p:cNvPr id="10" name="직선 연결선 9"/>
-          <p:cNvCxnSpPr/>
-          <p:nvPr/>
-        </p:nvCxnSpPr>
-        <p:spPr>
-          <a:xfrm>
-            <a:off x="589055" y="427040"/>
-            <a:ext cx="10800000" cy="0"/>
-          </a:xfrm>
-          <a:prstGeom prst="line">
-            <a:avLst/>
-          </a:prstGeom>
-          <a:ln>
-            <a:solidFill>
-              <a:srgbClr val="D02646"/>
-            </a:solidFill>
-          </a:ln>
-        </p:spPr>
-        <p:style>
-          <a:lnRef idx="1">
-            <a:schemeClr val="accent1"/>
-          </a:lnRef>
-          <a:fillRef idx="0">
-            <a:schemeClr val="accent1"/>
-          </a:fillRef>
-          <a:effectRef idx="0">
-            <a:schemeClr val="accent1"/>
-          </a:effectRef>
-          <a:fontRef idx="minor">
-            <a:schemeClr val="tx1"/>
-          </a:fontRef>
-        </p:style>
-      </p:cxnSp>
-      <p:sp>
-        <p:nvSpPr>
-          <p:cNvPr id="11" name="직사각형 10"/>
-          <p:cNvSpPr/>
-          <p:nvPr/>
-        </p:nvSpPr>
-        <p:spPr>
-          <a:xfrm>
-            <a:off x="3646530" y="0"/>
-            <a:ext cx="4971967" cy="646331"/>
-          </a:xfrm>
-          <a:prstGeom prst="rect">
-            <a:avLst/>
-          </a:prstGeom>
-          <a:solidFill>
-            <a:srgbClr val="EAEEFA"/>
-          </a:solidFill>
-        </p:spPr>
-        <p:txBody>
-          <a:bodyPr wrap="square">
-            <a:spAutoFit/>
-          </a:bodyPr>
-          <a:lstStyle/>
-          <a:p>
-            <a:pPr algn="ctr" fontAlgn="base"/>
-            <a:r>
-              <a:rPr lang="ko-KR" altLang="en-US" b="1" dirty="0"/>
-              <a:t>방송을 통한 </a:t>
-            </a:r>
-            <a:r>
-              <a:rPr lang="ko-KR" altLang="en-US" b="1" dirty="0" err="1"/>
-              <a:t>루돌로지</a:t>
-            </a:r>
-            <a:r>
-              <a:rPr lang="ko-KR" altLang="en-US" b="1" dirty="0"/>
-              <a:t> 게임의 </a:t>
-            </a:r>
-            <a:r>
-              <a:rPr lang="ko-KR" altLang="en-US" b="1" dirty="0" err="1"/>
-              <a:t>스토리텔링</a:t>
-            </a:r>
-            <a:r>
-              <a:rPr lang="ko-KR" altLang="en-US" b="1" dirty="0"/>
-              <a:t> </a:t>
-            </a:r>
-            <a:r>
-              <a:rPr lang="en-US" altLang="ko-KR" b="1" dirty="0" smtClean="0"/>
-              <a:t/>
-            </a:r>
-            <a:br>
-              <a:rPr lang="en-US" altLang="ko-KR" b="1" dirty="0" smtClean="0"/>
-            </a:br>
-            <a:r>
-              <a:rPr lang="ko-KR" altLang="en-US" b="1" dirty="0" smtClean="0"/>
-              <a:t>획득과 </a:t>
-            </a:r>
-            <a:r>
-              <a:rPr lang="ko-KR" altLang="en-US" b="1" dirty="0"/>
-              <a:t>게임 기획에의 적용 </a:t>
-            </a:r>
-            <a:r>
-              <a:rPr lang="ko-KR" altLang="en-US" b="1" dirty="0" smtClean="0"/>
-              <a:t>연구</a:t>
-            </a:r>
-            <a:endParaRPr lang="ko-KR" altLang="en-US" b="1" dirty="0"/>
-          </a:p>
-        </p:txBody>
-      </p:sp>
       <p:sp>
         <p:nvSpPr>
           <p:cNvPr id="15" name="직사각형 14">
@@ -15419,7 +14486,7 @@
 </p:sld>
 </file>
 
-<file path=ppt/slides/slide12.xml><?xml version="1.0" encoding="utf-8"?>
+<file path=ppt/slides/slide11.xml><?xml version="1.0" encoding="utf-8"?>
 <p:sld xmlns:a="http://schemas.openxmlformats.org/drawingml/2006/main" xmlns:r="http://schemas.openxmlformats.org/officeDocument/2006/relationships" xmlns:p="http://schemas.openxmlformats.org/presentationml/2006/main">
   <p:cSld>
     <p:bg>
@@ -15514,74 +14581,6 @@
           </a:fontRef>
         </p:style>
       </p:cxnSp>
-      <p:sp>
-        <p:nvSpPr>
-          <p:cNvPr id="11" name="직사각형 10"/>
-          <p:cNvSpPr/>
-          <p:nvPr/>
-        </p:nvSpPr>
-        <p:spPr>
-          <a:xfrm>
-            <a:off x="3646530" y="0"/>
-            <a:ext cx="4971967" cy="646331"/>
-          </a:xfrm>
-          <a:prstGeom prst="rect">
-            <a:avLst/>
-          </a:prstGeom>
-          <a:solidFill>
-            <a:srgbClr val="EAEEFA"/>
-          </a:solidFill>
-        </p:spPr>
-        <p:txBody>
-          <a:bodyPr wrap="square">
-            <a:spAutoFit/>
-          </a:bodyPr>
-          <a:lstStyle/>
-          <a:p>
-            <a:pPr algn="ctr" fontAlgn="base"/>
-            <a:r>
-              <a:rPr lang="ko-KR" altLang="en-US" b="1" dirty="0"/>
-              <a:t>방송을 통한 </a:t>
-            </a:r>
-            <a:r>
-              <a:rPr lang="ko-KR" altLang="en-US" b="1" dirty="0" err="1"/>
-              <a:t>루돌로지</a:t>
-            </a:r>
-            <a:r>
-              <a:rPr lang="ko-KR" altLang="en-US" b="1" dirty="0"/>
-              <a:t> 게임의 </a:t>
-            </a:r>
-            <a:r>
-              <a:rPr lang="ko-KR" altLang="en-US" b="1" dirty="0" err="1"/>
-              <a:t>스토리텔링</a:t>
-            </a:r>
-            <a:r>
-              <a:rPr lang="ko-KR" altLang="en-US" b="1" dirty="0"/>
-              <a:t> </a:t>
-            </a:r>
-            <a:r>
-              <a:rPr lang="en-US" altLang="ko-KR" b="1" dirty="0" smtClean="0"/>
-              <a:t/>
-            </a:r>
-            <a:br>
-              <a:rPr lang="en-US" altLang="ko-KR" b="1" dirty="0" smtClean="0"/>
-            </a:br>
-            <a:r>
-              <a:rPr lang="ko-KR" altLang="en-US" b="1" dirty="0" smtClean="0"/>
-              <a:t>획득과 </a:t>
-            </a:r>
-            <a:r>
-              <a:rPr lang="ko-KR" altLang="en-US" b="1" dirty="0"/>
-              <a:t>게임 기획에의 적용 </a:t>
-            </a:r>
-            <a:r>
-              <a:rPr lang="ko-KR" altLang="en-US" b="1" dirty="0" smtClean="0"/>
-              <a:t>연구</a:t>
-            </a:r>
-            <a:endParaRPr lang="ko-KR" altLang="en-US" b="1" dirty="0"/>
-          </a:p>
-        </p:txBody>
-      </p:sp>
       <p:sp>
         <p:nvSpPr>
           <p:cNvPr id="15" name="직사각형 14">
@@ -16046,7 +15045,7 @@
 </p:sld>
 </file>
 
-<file path=ppt/slides/slide13.xml><?xml version="1.0" encoding="utf-8"?>
+<file path=ppt/slides/slide12.xml><?xml version="1.0" encoding="utf-8"?>
 <p:sld xmlns:a="http://schemas.openxmlformats.org/drawingml/2006/main" xmlns:r="http://schemas.openxmlformats.org/officeDocument/2006/relationships" xmlns:p="http://schemas.openxmlformats.org/presentationml/2006/main">
   <p:cSld>
     <p:bg>
@@ -16141,74 +15140,6 @@
           </a:fontRef>
         </p:style>
       </p:cxnSp>
-      <p:sp>
-        <p:nvSpPr>
-          <p:cNvPr id="11" name="직사각형 10"/>
-          <p:cNvSpPr/>
-          <p:nvPr/>
-        </p:nvSpPr>
-        <p:spPr>
-          <a:xfrm>
-            <a:off x="3646530" y="0"/>
-            <a:ext cx="4971967" cy="646331"/>
-          </a:xfrm>
-          <a:prstGeom prst="rect">
-            <a:avLst/>
-          </a:prstGeom>
-          <a:solidFill>
-            <a:srgbClr val="EAEEFA"/>
-          </a:solidFill>
-        </p:spPr>
-        <p:txBody>
-          <a:bodyPr wrap="square">
-            <a:spAutoFit/>
-          </a:bodyPr>
-          <a:lstStyle/>
-          <a:p>
-            <a:pPr algn="ctr" fontAlgn="base"/>
-            <a:r>
-              <a:rPr lang="ko-KR" altLang="en-US" b="1" dirty="0"/>
-              <a:t>방송을 통한 </a:t>
-            </a:r>
-            <a:r>
-              <a:rPr lang="ko-KR" altLang="en-US" b="1" dirty="0" err="1"/>
-              <a:t>루돌로지</a:t>
-            </a:r>
-            <a:r>
-              <a:rPr lang="ko-KR" altLang="en-US" b="1" dirty="0"/>
-              <a:t> 게임의 </a:t>
-            </a:r>
-            <a:r>
-              <a:rPr lang="ko-KR" altLang="en-US" b="1" dirty="0" err="1"/>
-              <a:t>스토리텔링</a:t>
-            </a:r>
-            <a:r>
-              <a:rPr lang="ko-KR" altLang="en-US" b="1" dirty="0"/>
-              <a:t> </a:t>
-            </a:r>
-            <a:r>
-              <a:rPr lang="en-US" altLang="ko-KR" b="1" dirty="0" smtClean="0"/>
-              <a:t/>
-            </a:r>
-            <a:br>
-              <a:rPr lang="en-US" altLang="ko-KR" b="1" dirty="0" smtClean="0"/>
-            </a:br>
-            <a:r>
-              <a:rPr lang="ko-KR" altLang="en-US" b="1" dirty="0" smtClean="0"/>
-              <a:t>획득과 </a:t>
-            </a:r>
-            <a:r>
-              <a:rPr lang="ko-KR" altLang="en-US" b="1" dirty="0"/>
-              <a:t>게임 기획에의 적용 </a:t>
-            </a:r>
-            <a:r>
-              <a:rPr lang="ko-KR" altLang="en-US" b="1" dirty="0" smtClean="0"/>
-              <a:t>연구</a:t>
-            </a:r>
-            <a:endParaRPr lang="ko-KR" altLang="en-US" b="1" dirty="0"/>
-          </a:p>
-        </p:txBody>
-      </p:sp>
       <p:sp>
         <p:nvSpPr>
           <p:cNvPr id="15" name="직사각형 14">
@@ -17168,7 +16099,7 @@
 </p:sld>
 </file>
 
-<file path=ppt/slides/slide14.xml><?xml version="1.0" encoding="utf-8"?>
+<file path=ppt/slides/slide13.xml><?xml version="1.0" encoding="utf-8"?>
 <p:sld xmlns:a="http://schemas.openxmlformats.org/drawingml/2006/main" xmlns:r="http://schemas.openxmlformats.org/officeDocument/2006/relationships" xmlns:p="http://schemas.openxmlformats.org/presentationml/2006/main">
   <p:cSld>
     <p:bg>
@@ -17228,74 +16159,6 @@
           </a:fontRef>
         </p:style>
       </p:cxnSp>
-      <p:sp>
-        <p:nvSpPr>
-          <p:cNvPr id="24" name="직사각형 23"/>
-          <p:cNvSpPr/>
-          <p:nvPr/>
-        </p:nvSpPr>
-        <p:spPr>
-          <a:xfrm>
-            <a:off x="3646530" y="0"/>
-            <a:ext cx="4971967" cy="646331"/>
-          </a:xfrm>
-          <a:prstGeom prst="rect">
-            <a:avLst/>
-          </a:prstGeom>
-          <a:solidFill>
-            <a:srgbClr val="EAEEFA"/>
-          </a:solidFill>
-        </p:spPr>
-        <p:txBody>
-          <a:bodyPr wrap="square">
-            <a:spAutoFit/>
-          </a:bodyPr>
-          <a:lstStyle/>
-          <a:p>
-            <a:pPr algn="ctr" fontAlgn="base"/>
-            <a:r>
-              <a:rPr lang="ko-KR" altLang="en-US" b="1" dirty="0"/>
-              <a:t>방송을 통한 </a:t>
-            </a:r>
-            <a:r>
-              <a:rPr lang="ko-KR" altLang="en-US" b="1" dirty="0" err="1"/>
-              <a:t>루돌로지</a:t>
-            </a:r>
-            <a:r>
-              <a:rPr lang="ko-KR" altLang="en-US" b="1" dirty="0"/>
-              <a:t> 게임의 </a:t>
-            </a:r>
-            <a:r>
-              <a:rPr lang="ko-KR" altLang="en-US" b="1" dirty="0" err="1"/>
-              <a:t>스토리텔링</a:t>
-            </a:r>
-            <a:r>
-              <a:rPr lang="ko-KR" altLang="en-US" b="1" dirty="0"/>
-              <a:t> </a:t>
-            </a:r>
-            <a:r>
-              <a:rPr lang="en-US" altLang="ko-KR" b="1" dirty="0" smtClean="0"/>
-              <a:t/>
-            </a:r>
-            <a:br>
-              <a:rPr lang="en-US" altLang="ko-KR" b="1" dirty="0" smtClean="0"/>
-            </a:br>
-            <a:r>
-              <a:rPr lang="ko-KR" altLang="en-US" b="1" dirty="0" smtClean="0"/>
-              <a:t>획득과 </a:t>
-            </a:r>
-            <a:r>
-              <a:rPr lang="ko-KR" altLang="en-US" b="1" dirty="0"/>
-              <a:t>게임 기획에의 적용 </a:t>
-            </a:r>
-            <a:r>
-              <a:rPr lang="ko-KR" altLang="en-US" b="1" dirty="0" smtClean="0"/>
-              <a:t>연구</a:t>
-            </a:r>
-            <a:endParaRPr lang="ko-KR" altLang="en-US" b="1" dirty="0"/>
-          </a:p>
-        </p:txBody>
-      </p:sp>
       <p:cxnSp>
         <p:nvCxnSpPr>
           <p:cNvPr id="25" name="직선 연결선 24"/>
@@ -17898,7 +16761,7 @@
 </p:sld>
 </file>
 
-<file path=ppt/slides/slide15.xml><?xml version="1.0" encoding="utf-8"?>
+<file path=ppt/slides/slide14.xml><?xml version="1.0" encoding="utf-8"?>
 <p:sld xmlns:a="http://schemas.openxmlformats.org/drawingml/2006/main" xmlns:r="http://schemas.openxmlformats.org/officeDocument/2006/relationships" xmlns:p="http://schemas.openxmlformats.org/presentationml/2006/main">
   <p:cSld>
     <p:bg>
@@ -17958,74 +16821,6 @@
           </a:fontRef>
         </p:style>
       </p:cxnSp>
-      <p:sp>
-        <p:nvSpPr>
-          <p:cNvPr id="24" name="직사각형 23"/>
-          <p:cNvSpPr/>
-          <p:nvPr/>
-        </p:nvSpPr>
-        <p:spPr>
-          <a:xfrm>
-            <a:off x="3646530" y="0"/>
-            <a:ext cx="4971967" cy="646331"/>
-          </a:xfrm>
-          <a:prstGeom prst="rect">
-            <a:avLst/>
-          </a:prstGeom>
-          <a:solidFill>
-            <a:srgbClr val="EAEEFA"/>
-          </a:solidFill>
-        </p:spPr>
-        <p:txBody>
-          <a:bodyPr wrap="square">
-            <a:spAutoFit/>
-          </a:bodyPr>
-          <a:lstStyle/>
-          <a:p>
-            <a:pPr algn="ctr" fontAlgn="base"/>
-            <a:r>
-              <a:rPr lang="ko-KR" altLang="en-US" b="1" dirty="0"/>
-              <a:t>방송을 통한 </a:t>
-            </a:r>
-            <a:r>
-              <a:rPr lang="ko-KR" altLang="en-US" b="1" dirty="0" err="1"/>
-              <a:t>루돌로지</a:t>
-            </a:r>
-            <a:r>
-              <a:rPr lang="ko-KR" altLang="en-US" b="1" dirty="0"/>
-              <a:t> 게임의 </a:t>
-            </a:r>
-            <a:r>
-              <a:rPr lang="ko-KR" altLang="en-US" b="1" dirty="0" err="1"/>
-              <a:t>스토리텔링</a:t>
-            </a:r>
-            <a:r>
-              <a:rPr lang="ko-KR" altLang="en-US" b="1" dirty="0"/>
-              <a:t> </a:t>
-            </a:r>
-            <a:r>
-              <a:rPr lang="en-US" altLang="ko-KR" b="1" dirty="0" smtClean="0"/>
-              <a:t/>
-            </a:r>
-            <a:br>
-              <a:rPr lang="en-US" altLang="ko-KR" b="1" dirty="0" smtClean="0"/>
-            </a:br>
-            <a:r>
-              <a:rPr lang="ko-KR" altLang="en-US" b="1" dirty="0" smtClean="0"/>
-              <a:t>획득과 </a:t>
-            </a:r>
-            <a:r>
-              <a:rPr lang="ko-KR" altLang="en-US" b="1" dirty="0"/>
-              <a:t>게임 기획에의 적용 </a:t>
-            </a:r>
-            <a:r>
-              <a:rPr lang="ko-KR" altLang="en-US" b="1" dirty="0" smtClean="0"/>
-              <a:t>연구</a:t>
-            </a:r>
-            <a:endParaRPr lang="ko-KR" altLang="en-US" b="1" dirty="0"/>
-          </a:p>
-        </p:txBody>
-      </p:sp>
       <p:cxnSp>
         <p:nvCxnSpPr>
           <p:cNvPr id="25" name="직선 연결선 24"/>
@@ -18628,7 +17423,7 @@
 </p:sld>
 </file>
 
-<file path=ppt/slides/slide16.xml><?xml version="1.0" encoding="utf-8"?>
+<file path=ppt/slides/slide15.xml><?xml version="1.0" encoding="utf-8"?>
 <p:sld xmlns:a="http://schemas.openxmlformats.org/drawingml/2006/main" xmlns:r="http://schemas.openxmlformats.org/officeDocument/2006/relationships" xmlns:p="http://schemas.openxmlformats.org/presentationml/2006/main">
   <p:cSld>
     <p:bg>
@@ -18688,74 +17483,6 @@
           </a:fontRef>
         </p:style>
       </p:cxnSp>
-      <p:sp>
-        <p:nvSpPr>
-          <p:cNvPr id="24" name="직사각형 23"/>
-          <p:cNvSpPr/>
-          <p:nvPr/>
-        </p:nvSpPr>
-        <p:spPr>
-          <a:xfrm>
-            <a:off x="3646530" y="0"/>
-            <a:ext cx="4971967" cy="646331"/>
-          </a:xfrm>
-          <a:prstGeom prst="rect">
-            <a:avLst/>
-          </a:prstGeom>
-          <a:solidFill>
-            <a:srgbClr val="EAEEFA"/>
-          </a:solidFill>
-        </p:spPr>
-        <p:txBody>
-          <a:bodyPr wrap="square">
-            <a:spAutoFit/>
-          </a:bodyPr>
-          <a:lstStyle/>
-          <a:p>
-            <a:pPr algn="ctr" fontAlgn="base"/>
-            <a:r>
-              <a:rPr lang="ko-KR" altLang="en-US" b="1" dirty="0"/>
-              <a:t>방송을 통한 </a:t>
-            </a:r>
-            <a:r>
-              <a:rPr lang="ko-KR" altLang="en-US" b="1" dirty="0" err="1"/>
-              <a:t>루돌로지</a:t>
-            </a:r>
-            <a:r>
-              <a:rPr lang="ko-KR" altLang="en-US" b="1" dirty="0"/>
-              <a:t> 게임의 </a:t>
-            </a:r>
-            <a:r>
-              <a:rPr lang="ko-KR" altLang="en-US" b="1" dirty="0" err="1"/>
-              <a:t>스토리텔링</a:t>
-            </a:r>
-            <a:r>
-              <a:rPr lang="ko-KR" altLang="en-US" b="1" dirty="0"/>
-              <a:t> </a:t>
-            </a:r>
-            <a:r>
-              <a:rPr lang="en-US" altLang="ko-KR" b="1" dirty="0" smtClean="0"/>
-              <a:t/>
-            </a:r>
-            <a:br>
-              <a:rPr lang="en-US" altLang="ko-KR" b="1" dirty="0" smtClean="0"/>
-            </a:br>
-            <a:r>
-              <a:rPr lang="ko-KR" altLang="en-US" b="1" dirty="0" smtClean="0"/>
-              <a:t>획득과 </a:t>
-            </a:r>
-            <a:r>
-              <a:rPr lang="ko-KR" altLang="en-US" b="1" dirty="0"/>
-              <a:t>게임 기획에의 적용 </a:t>
-            </a:r>
-            <a:r>
-              <a:rPr lang="ko-KR" altLang="en-US" b="1" dirty="0" smtClean="0"/>
-              <a:t>연구</a:t>
-            </a:r>
-            <a:endParaRPr lang="ko-KR" altLang="en-US" b="1" dirty="0"/>
-          </a:p>
-        </p:txBody>
-      </p:sp>
       <p:cxnSp>
         <p:nvCxnSpPr>
           <p:cNvPr id="25" name="직선 연결선 24"/>
@@ -19368,7 +18095,7 @@
 </p:sld>
 </file>
 
-<file path=ppt/slides/slide17.xml><?xml version="1.0" encoding="utf-8"?>
+<file path=ppt/slides/slide16.xml><?xml version="1.0" encoding="utf-8"?>
 <p:sld xmlns:a="http://schemas.openxmlformats.org/drawingml/2006/main" xmlns:r="http://schemas.openxmlformats.org/officeDocument/2006/relationships" xmlns:p="http://schemas.openxmlformats.org/presentationml/2006/main">
   <p:cSld>
     <p:bg>
@@ -19428,74 +18155,6 @@
           </a:fontRef>
         </p:style>
       </p:cxnSp>
-      <p:sp>
-        <p:nvSpPr>
-          <p:cNvPr id="24" name="직사각형 23"/>
-          <p:cNvSpPr/>
-          <p:nvPr/>
-        </p:nvSpPr>
-        <p:spPr>
-          <a:xfrm>
-            <a:off x="3646530" y="0"/>
-            <a:ext cx="4971967" cy="646331"/>
-          </a:xfrm>
-          <a:prstGeom prst="rect">
-            <a:avLst/>
-          </a:prstGeom>
-          <a:solidFill>
-            <a:srgbClr val="EAEEFA"/>
-          </a:solidFill>
-        </p:spPr>
-        <p:txBody>
-          <a:bodyPr wrap="square">
-            <a:spAutoFit/>
-          </a:bodyPr>
-          <a:lstStyle/>
-          <a:p>
-            <a:pPr algn="ctr" fontAlgn="base"/>
-            <a:r>
-              <a:rPr lang="ko-KR" altLang="en-US" b="1" dirty="0"/>
-              <a:t>방송을 통한 </a:t>
-            </a:r>
-            <a:r>
-              <a:rPr lang="ko-KR" altLang="en-US" b="1" dirty="0" err="1"/>
-              <a:t>루돌로지</a:t>
-            </a:r>
-            <a:r>
-              <a:rPr lang="ko-KR" altLang="en-US" b="1" dirty="0"/>
-              <a:t> 게임의 </a:t>
-            </a:r>
-            <a:r>
-              <a:rPr lang="ko-KR" altLang="en-US" b="1" dirty="0" err="1"/>
-              <a:t>스토리텔링</a:t>
-            </a:r>
-            <a:r>
-              <a:rPr lang="ko-KR" altLang="en-US" b="1" dirty="0"/>
-              <a:t> </a:t>
-            </a:r>
-            <a:r>
-              <a:rPr lang="en-US" altLang="ko-KR" b="1" dirty="0" smtClean="0"/>
-              <a:t/>
-            </a:r>
-            <a:br>
-              <a:rPr lang="en-US" altLang="ko-KR" b="1" dirty="0" smtClean="0"/>
-            </a:br>
-            <a:r>
-              <a:rPr lang="ko-KR" altLang="en-US" b="1" dirty="0" smtClean="0"/>
-              <a:t>획득과 </a:t>
-            </a:r>
-            <a:r>
-              <a:rPr lang="ko-KR" altLang="en-US" b="1" dirty="0"/>
-              <a:t>게임 기획에의 적용 </a:t>
-            </a:r>
-            <a:r>
-              <a:rPr lang="ko-KR" altLang="en-US" b="1" dirty="0" smtClean="0"/>
-              <a:t>연구</a:t>
-            </a:r>
-            <a:endParaRPr lang="ko-KR" altLang="en-US" b="1" dirty="0"/>
-          </a:p>
-        </p:txBody>
-      </p:sp>
       <p:cxnSp>
         <p:nvCxnSpPr>
           <p:cNvPr id="25" name="직선 연결선 24"/>
@@ -20108,7 +18767,7 @@
 </p:sld>
 </file>
 
-<file path=ppt/slides/slide18.xml><?xml version="1.0" encoding="utf-8"?>
+<file path=ppt/slides/slide17.xml><?xml version="1.0" encoding="utf-8"?>
 <p:sld xmlns:a="http://schemas.openxmlformats.org/drawingml/2006/main" xmlns:r="http://schemas.openxmlformats.org/officeDocument/2006/relationships" xmlns:p="http://schemas.openxmlformats.org/presentationml/2006/main">
   <p:cSld>
     <p:bg>
@@ -20168,74 +18827,6 @@
           </a:fontRef>
         </p:style>
       </p:cxnSp>
-      <p:sp>
-        <p:nvSpPr>
-          <p:cNvPr id="24" name="직사각형 23"/>
-          <p:cNvSpPr/>
-          <p:nvPr/>
-        </p:nvSpPr>
-        <p:spPr>
-          <a:xfrm>
-            <a:off x="3646530" y="0"/>
-            <a:ext cx="4971967" cy="646331"/>
-          </a:xfrm>
-          <a:prstGeom prst="rect">
-            <a:avLst/>
-          </a:prstGeom>
-          <a:solidFill>
-            <a:srgbClr val="EAEEFA"/>
-          </a:solidFill>
-        </p:spPr>
-        <p:txBody>
-          <a:bodyPr wrap="square">
-            <a:spAutoFit/>
-          </a:bodyPr>
-          <a:lstStyle/>
-          <a:p>
-            <a:pPr algn="ctr" fontAlgn="base"/>
-            <a:r>
-              <a:rPr lang="ko-KR" altLang="en-US" b="1" dirty="0"/>
-              <a:t>방송을 통한 </a:t>
-            </a:r>
-            <a:r>
-              <a:rPr lang="ko-KR" altLang="en-US" b="1" dirty="0" err="1"/>
-              <a:t>루돌로지</a:t>
-            </a:r>
-            <a:r>
-              <a:rPr lang="ko-KR" altLang="en-US" b="1" dirty="0"/>
-              <a:t> 게임의 </a:t>
-            </a:r>
-            <a:r>
-              <a:rPr lang="ko-KR" altLang="en-US" b="1" dirty="0" err="1"/>
-              <a:t>스토리텔링</a:t>
-            </a:r>
-            <a:r>
-              <a:rPr lang="ko-KR" altLang="en-US" b="1" dirty="0"/>
-              <a:t> </a:t>
-            </a:r>
-            <a:r>
-              <a:rPr lang="en-US" altLang="ko-KR" b="1" dirty="0" smtClean="0"/>
-              <a:t/>
-            </a:r>
-            <a:br>
-              <a:rPr lang="en-US" altLang="ko-KR" b="1" dirty="0" smtClean="0"/>
-            </a:br>
-            <a:r>
-              <a:rPr lang="ko-KR" altLang="en-US" b="1" dirty="0" smtClean="0"/>
-              <a:t>획득과 </a:t>
-            </a:r>
-            <a:r>
-              <a:rPr lang="ko-KR" altLang="en-US" b="1" dirty="0"/>
-              <a:t>게임 기획에의 적용 </a:t>
-            </a:r>
-            <a:r>
-              <a:rPr lang="ko-KR" altLang="en-US" b="1" dirty="0" smtClean="0"/>
-              <a:t>연구</a:t>
-            </a:r>
-            <a:endParaRPr lang="ko-KR" altLang="en-US" b="1" dirty="0"/>
-          </a:p>
-        </p:txBody>
-      </p:sp>
       <p:cxnSp>
         <p:nvCxnSpPr>
           <p:cNvPr id="25" name="직선 연결선 24"/>
@@ -20848,7 +19439,7 @@
 </p:sld>
 </file>
 
-<file path=ppt/slides/slide19.xml><?xml version="1.0" encoding="utf-8"?>
+<file path=ppt/slides/slide18.xml><?xml version="1.0" encoding="utf-8"?>
 <p:sld xmlns:a="http://schemas.openxmlformats.org/drawingml/2006/main" xmlns:r="http://schemas.openxmlformats.org/officeDocument/2006/relationships" xmlns:p="http://schemas.openxmlformats.org/presentationml/2006/main">
   <p:cSld>
     <p:bg>
@@ -20908,74 +19499,6 @@
           </a:fontRef>
         </p:style>
       </p:cxnSp>
-      <p:sp>
-        <p:nvSpPr>
-          <p:cNvPr id="24" name="직사각형 23"/>
-          <p:cNvSpPr/>
-          <p:nvPr/>
-        </p:nvSpPr>
-        <p:spPr>
-          <a:xfrm>
-            <a:off x="3646530" y="0"/>
-            <a:ext cx="4971967" cy="646331"/>
-          </a:xfrm>
-          <a:prstGeom prst="rect">
-            <a:avLst/>
-          </a:prstGeom>
-          <a:solidFill>
-            <a:srgbClr val="EAEEFA"/>
-          </a:solidFill>
-        </p:spPr>
-        <p:txBody>
-          <a:bodyPr wrap="square">
-            <a:spAutoFit/>
-          </a:bodyPr>
-          <a:lstStyle/>
-          <a:p>
-            <a:pPr algn="ctr" fontAlgn="base"/>
-            <a:r>
-              <a:rPr lang="ko-KR" altLang="en-US" b="1" dirty="0"/>
-              <a:t>방송을 통한 </a:t>
-            </a:r>
-            <a:r>
-              <a:rPr lang="ko-KR" altLang="en-US" b="1" dirty="0" err="1"/>
-              <a:t>루돌로지</a:t>
-            </a:r>
-            <a:r>
-              <a:rPr lang="ko-KR" altLang="en-US" b="1" dirty="0"/>
-              <a:t> 게임의 </a:t>
-            </a:r>
-            <a:r>
-              <a:rPr lang="ko-KR" altLang="en-US" b="1" dirty="0" err="1"/>
-              <a:t>스토리텔링</a:t>
-            </a:r>
-            <a:r>
-              <a:rPr lang="ko-KR" altLang="en-US" b="1" dirty="0"/>
-              <a:t> </a:t>
-            </a:r>
-            <a:r>
-              <a:rPr lang="en-US" altLang="ko-KR" b="1" dirty="0" smtClean="0"/>
-              <a:t/>
-            </a:r>
-            <a:br>
-              <a:rPr lang="en-US" altLang="ko-KR" b="1" dirty="0" smtClean="0"/>
-            </a:br>
-            <a:r>
-              <a:rPr lang="ko-KR" altLang="en-US" b="1" dirty="0" smtClean="0"/>
-              <a:t>획득과 </a:t>
-            </a:r>
-            <a:r>
-              <a:rPr lang="ko-KR" altLang="en-US" b="1" dirty="0"/>
-              <a:t>게임 기획에의 적용 </a:t>
-            </a:r>
-            <a:r>
-              <a:rPr lang="ko-KR" altLang="en-US" b="1" dirty="0" smtClean="0"/>
-              <a:t>연구</a:t>
-            </a:r>
-            <a:endParaRPr lang="ko-KR" altLang="en-US" b="1" dirty="0"/>
-          </a:p>
-        </p:txBody>
-      </p:sp>
       <p:cxnSp>
         <p:nvCxnSpPr>
           <p:cNvPr id="25" name="직선 연결선 24"/>
@@ -21601,287 +20124,7 @@
 </p:sld>
 </file>
 
-<file path=ppt/slides/slide2.xml><?xml version="1.0" encoding="utf-8"?>
-<p:sld xmlns:a="http://schemas.openxmlformats.org/drawingml/2006/main" xmlns:r="http://schemas.openxmlformats.org/officeDocument/2006/relationships" xmlns:p="http://schemas.openxmlformats.org/presentationml/2006/main">
-  <p:cSld>
-    <p:bg>
-      <p:bgPr>
-        <a:solidFill>
-          <a:srgbClr val="EAEEFA"/>
-        </a:solidFill>
-        <a:effectLst/>
-      </p:bgPr>
-    </p:bg>
-    <p:spTree>
-      <p:nvGrpSpPr>
-        <p:cNvPr id="1" name=""/>
-        <p:cNvGrpSpPr/>
-        <p:nvPr/>
-      </p:nvGrpSpPr>
-      <p:grpSpPr>
-        <a:xfrm>
-          <a:off x="0" y="0"/>
-          <a:ext cx="0" cy="0"/>
-          <a:chOff x="0" y="0"/>
-          <a:chExt cx="0" cy="0"/>
-        </a:xfrm>
-      </p:grpSpPr>
-      <p:cxnSp>
-        <p:nvCxnSpPr>
-          <p:cNvPr id="8" name="직선 연결선 7"/>
-          <p:cNvCxnSpPr/>
-          <p:nvPr/>
-        </p:nvCxnSpPr>
-        <p:spPr>
-          <a:xfrm>
-            <a:off x="605680" y="6678910"/>
-            <a:ext cx="10800000" cy="0"/>
-          </a:xfrm>
-          <a:prstGeom prst="line">
-            <a:avLst/>
-          </a:prstGeom>
-          <a:ln>
-            <a:solidFill>
-              <a:srgbClr val="D02646"/>
-            </a:solidFill>
-          </a:ln>
-        </p:spPr>
-        <p:style>
-          <a:lnRef idx="1">
-            <a:schemeClr val="accent1"/>
-          </a:lnRef>
-          <a:fillRef idx="0">
-            <a:schemeClr val="accent1"/>
-          </a:fillRef>
-          <a:effectRef idx="0">
-            <a:schemeClr val="accent1"/>
-          </a:effectRef>
-          <a:fontRef idx="minor">
-            <a:schemeClr val="tx1"/>
-          </a:fontRef>
-        </p:style>
-      </p:cxnSp>
-      <p:sp>
-        <p:nvSpPr>
-          <p:cNvPr id="7" name="직사각형 6">
-            <a:extLst>
-              <a:ext uri="{FF2B5EF4-FFF2-40B4-BE49-F238E27FC236}">
-                <a16:creationId xmlns:a16="http://schemas.microsoft.com/office/drawing/2014/main" id="{3FA00699-5178-465A-9F3F-130CF1431F70}"/>
-              </a:ext>
-            </a:extLst>
-          </p:cNvPr>
-          <p:cNvSpPr/>
-          <p:nvPr/>
-        </p:nvSpPr>
-        <p:spPr>
-          <a:xfrm>
-            <a:off x="938186" y="681634"/>
-            <a:ext cx="5213232" cy="553998"/>
-          </a:xfrm>
-          <a:prstGeom prst="rect">
-            <a:avLst/>
-          </a:prstGeom>
-        </p:spPr>
-        <p:txBody>
-          <a:bodyPr wrap="square" anchor="ctr">
-            <a:spAutoFit/>
-          </a:bodyPr>
-          <a:lstStyle/>
-          <a:p>
-            <a:pPr>
-              <a:lnSpc>
-                <a:spcPct val="150000"/>
-              </a:lnSpc>
-            </a:pPr>
-            <a:r>
-              <a:rPr lang="en-US" altLang="ko-KR" sz="2000" b="1" dirty="0" smtClean="0"/>
-              <a:t>1. </a:t>
-            </a:r>
-            <a:r>
-              <a:rPr lang="ko-KR" altLang="en-US" sz="2000" b="1" dirty="0" smtClean="0"/>
-              <a:t>모멘트 체</a:t>
-            </a:r>
-            <a:r>
-              <a:rPr lang="ko-KR" altLang="en-US" sz="2000" b="1" dirty="0"/>
-              <a:t>크</a:t>
-            </a:r>
-            <a:r>
-              <a:rPr lang="ko-KR" altLang="en-US" sz="2000" b="1" dirty="0" smtClean="0"/>
-              <a:t> 시트</a:t>
-            </a:r>
-            <a:endParaRPr lang="en-US" altLang="ko-KR" sz="2000" b="1" dirty="0"/>
-          </a:p>
-        </p:txBody>
-      </p:sp>
-      <p:sp>
-        <p:nvSpPr>
-          <p:cNvPr id="13" name="직사각형 12">
-            <a:extLst>
-              <a:ext uri="{FF2B5EF4-FFF2-40B4-BE49-F238E27FC236}">
-                <a16:creationId xmlns:a16="http://schemas.microsoft.com/office/drawing/2014/main" id="{3FA00699-5178-465A-9F3F-130CF1431F70}"/>
-              </a:ext>
-            </a:extLst>
-          </p:cNvPr>
-          <p:cNvSpPr/>
-          <p:nvPr/>
-        </p:nvSpPr>
-        <p:spPr>
-          <a:xfrm>
-            <a:off x="2783609" y="2050575"/>
-            <a:ext cx="5027980" cy="553998"/>
-          </a:xfrm>
-          <a:prstGeom prst="rect">
-            <a:avLst/>
-          </a:prstGeom>
-        </p:spPr>
-        <p:txBody>
-          <a:bodyPr wrap="square" anchor="ctr">
-            <a:spAutoFit/>
-          </a:bodyPr>
-          <a:lstStyle/>
-          <a:p>
-            <a:pPr>
-              <a:lnSpc>
-                <a:spcPct val="150000"/>
-              </a:lnSpc>
-            </a:pPr>
-            <a:r>
-              <a:rPr lang="en-US" altLang="ko-KR" sz="2000" b="1" dirty="0" smtClean="0"/>
-              <a:t>2. </a:t>
-            </a:r>
-            <a:r>
-              <a:rPr lang="ko-KR" altLang="en-US" sz="2000" b="1" dirty="0" smtClean="0"/>
-              <a:t>영상 카테고리화 </a:t>
-            </a:r>
-            <a:r>
-              <a:rPr lang="en-US" altLang="ko-KR" sz="2000" b="1" dirty="0" smtClean="0"/>
-              <a:t>- DBD</a:t>
-            </a:r>
-            <a:endParaRPr lang="en-US" altLang="ko-KR" sz="2000" b="1" dirty="0"/>
-          </a:p>
-        </p:txBody>
-      </p:sp>
-      <p:sp>
-        <p:nvSpPr>
-          <p:cNvPr id="14" name="직사각형 13">
-            <a:extLst>
-              <a:ext uri="{FF2B5EF4-FFF2-40B4-BE49-F238E27FC236}">
-                <a16:creationId xmlns:a16="http://schemas.microsoft.com/office/drawing/2014/main" id="{3FA00699-5178-465A-9F3F-130CF1431F70}"/>
-              </a:ext>
-            </a:extLst>
-          </p:cNvPr>
-          <p:cNvSpPr/>
-          <p:nvPr/>
-        </p:nvSpPr>
-        <p:spPr>
-          <a:xfrm>
-            <a:off x="4845479" y="3546343"/>
-            <a:ext cx="4807972" cy="553998"/>
-          </a:xfrm>
-          <a:prstGeom prst="rect">
-            <a:avLst/>
-          </a:prstGeom>
-        </p:spPr>
-        <p:txBody>
-          <a:bodyPr wrap="square" anchor="ctr">
-            <a:spAutoFit/>
-          </a:bodyPr>
-          <a:lstStyle/>
-          <a:p>
-            <a:pPr>
-              <a:lnSpc>
-                <a:spcPct val="150000"/>
-              </a:lnSpc>
-            </a:pPr>
-            <a:r>
-              <a:rPr lang="en-US" altLang="ko-KR" sz="2000" b="1" dirty="0" smtClean="0"/>
-              <a:t>3. </a:t>
-            </a:r>
-            <a:r>
-              <a:rPr lang="ko-KR" altLang="en-US" sz="2000" b="1" dirty="0"/>
-              <a:t>영상 카테고리화 </a:t>
-            </a:r>
-            <a:r>
-              <a:rPr lang="en-US" altLang="ko-KR" sz="2000" b="1" dirty="0" smtClean="0"/>
-              <a:t>– </a:t>
-            </a:r>
-            <a:r>
-              <a:rPr lang="ko-KR" altLang="en-US" sz="2000" b="1" dirty="0" smtClean="0"/>
-              <a:t>타 장르</a:t>
-            </a:r>
-            <a:endParaRPr lang="en-US" altLang="ko-KR" sz="2000" b="1" dirty="0"/>
-          </a:p>
-        </p:txBody>
-      </p:sp>
-      <p:sp>
-        <p:nvSpPr>
-          <p:cNvPr id="15" name="직사각형 14">
-            <a:extLst>
-              <a:ext uri="{FF2B5EF4-FFF2-40B4-BE49-F238E27FC236}">
-                <a16:creationId xmlns:a16="http://schemas.microsoft.com/office/drawing/2014/main" id="{3FA00699-5178-465A-9F3F-130CF1431F70}"/>
-              </a:ext>
-            </a:extLst>
-          </p:cNvPr>
-          <p:cNvSpPr/>
-          <p:nvPr/>
-        </p:nvSpPr>
-        <p:spPr>
-          <a:xfrm>
-            <a:off x="7040880" y="5042111"/>
-            <a:ext cx="4232366" cy="553998"/>
-          </a:xfrm>
-          <a:prstGeom prst="rect">
-            <a:avLst/>
-          </a:prstGeom>
-        </p:spPr>
-        <p:txBody>
-          <a:bodyPr wrap="square" anchor="ctr">
-            <a:spAutoFit/>
-          </a:bodyPr>
-          <a:lstStyle/>
-          <a:p>
-            <a:pPr>
-              <a:lnSpc>
-                <a:spcPct val="150000"/>
-              </a:lnSpc>
-            </a:pPr>
-            <a:r>
-              <a:rPr lang="en-US" altLang="ko-KR" sz="2000" b="1" dirty="0" smtClean="0"/>
-              <a:t>4. </a:t>
-            </a:r>
-            <a:r>
-              <a:rPr lang="ko-KR" altLang="en-US" sz="2000" b="1" dirty="0"/>
-              <a:t>영상 </a:t>
-            </a:r>
-            <a:r>
-              <a:rPr lang="ko-KR" altLang="en-US" sz="2000" b="1" dirty="0" smtClean="0"/>
-              <a:t>카테고리 그래프</a:t>
-            </a:r>
-            <a:endParaRPr lang="en-US" altLang="ko-KR" sz="2000" b="1" dirty="0"/>
-          </a:p>
-        </p:txBody>
-      </p:sp>
-    </p:spTree>
-    <p:extLst>
-      <p:ext uri="{BB962C8B-B14F-4D97-AF65-F5344CB8AC3E}">
-        <p14:creationId xmlns:p14="http://schemas.microsoft.com/office/powerpoint/2010/main" val="2230190395"/>
-      </p:ext>
-    </p:extLst>
-  </p:cSld>
-  <p:clrMapOvr>
-    <a:masterClrMapping/>
-  </p:clrMapOvr>
-  <p:timing>
-    <p:tnLst>
-      <p:par>
-        <p:cTn id="1" dur="indefinite" restart="never" nodeType="tmRoot"/>
-      </p:par>
-    </p:tnLst>
-  </p:timing>
-</p:sld>
-</file>
-
-<file path=ppt/slides/slide20.xml><?xml version="1.0" encoding="utf-8"?>
+<file path=ppt/slides/slide19.xml><?xml version="1.0" encoding="utf-8"?>
 <p:sld xmlns:a="http://schemas.openxmlformats.org/drawingml/2006/main" xmlns:r="http://schemas.openxmlformats.org/officeDocument/2006/relationships" xmlns:p="http://schemas.openxmlformats.org/presentationml/2006/main">
   <p:cSld>
     <p:bg>
@@ -21941,74 +20184,6 @@
           </a:fontRef>
         </p:style>
       </p:cxnSp>
-      <p:sp>
-        <p:nvSpPr>
-          <p:cNvPr id="24" name="직사각형 23"/>
-          <p:cNvSpPr/>
-          <p:nvPr/>
-        </p:nvSpPr>
-        <p:spPr>
-          <a:xfrm>
-            <a:off x="3646530" y="0"/>
-            <a:ext cx="4971967" cy="646331"/>
-          </a:xfrm>
-          <a:prstGeom prst="rect">
-            <a:avLst/>
-          </a:prstGeom>
-          <a:solidFill>
-            <a:srgbClr val="EAEEFA"/>
-          </a:solidFill>
-        </p:spPr>
-        <p:txBody>
-          <a:bodyPr wrap="square">
-            <a:spAutoFit/>
-          </a:bodyPr>
-          <a:lstStyle/>
-          <a:p>
-            <a:pPr algn="ctr" fontAlgn="base"/>
-            <a:r>
-              <a:rPr lang="ko-KR" altLang="en-US" b="1" dirty="0"/>
-              <a:t>방송을 통한 </a:t>
-            </a:r>
-            <a:r>
-              <a:rPr lang="ko-KR" altLang="en-US" b="1" dirty="0" err="1"/>
-              <a:t>루돌로지</a:t>
-            </a:r>
-            <a:r>
-              <a:rPr lang="ko-KR" altLang="en-US" b="1" dirty="0"/>
-              <a:t> 게임의 </a:t>
-            </a:r>
-            <a:r>
-              <a:rPr lang="ko-KR" altLang="en-US" b="1" dirty="0" err="1"/>
-              <a:t>스토리텔링</a:t>
-            </a:r>
-            <a:r>
-              <a:rPr lang="ko-KR" altLang="en-US" b="1" dirty="0"/>
-              <a:t> </a:t>
-            </a:r>
-            <a:r>
-              <a:rPr lang="en-US" altLang="ko-KR" b="1" dirty="0" smtClean="0"/>
-              <a:t/>
-            </a:r>
-            <a:br>
-              <a:rPr lang="en-US" altLang="ko-KR" b="1" dirty="0" smtClean="0"/>
-            </a:br>
-            <a:r>
-              <a:rPr lang="ko-KR" altLang="en-US" b="1" dirty="0" smtClean="0"/>
-              <a:t>획득과 </a:t>
-            </a:r>
-            <a:r>
-              <a:rPr lang="ko-KR" altLang="en-US" b="1" dirty="0"/>
-              <a:t>게임 기획에의 적용 </a:t>
-            </a:r>
-            <a:r>
-              <a:rPr lang="ko-KR" altLang="en-US" b="1" dirty="0" smtClean="0"/>
-              <a:t>연구</a:t>
-            </a:r>
-            <a:endParaRPr lang="ko-KR" altLang="en-US" b="1" dirty="0"/>
-          </a:p>
-        </p:txBody>
-      </p:sp>
       <p:cxnSp>
         <p:nvCxnSpPr>
           <p:cNvPr id="25" name="직선 연결선 24"/>
@@ -22479,7 +20654,7 @@
 </p:sld>
 </file>
 
-<file path=ppt/slides/slide3.xml><?xml version="1.0" encoding="utf-8"?>
+<file path=ppt/slides/slide2.xml><?xml version="1.0" encoding="utf-8"?>
 <p:sld xmlns:a="http://schemas.openxmlformats.org/drawingml/2006/main" xmlns:r="http://schemas.openxmlformats.org/officeDocument/2006/relationships" xmlns:p="http://schemas.openxmlformats.org/presentationml/2006/main">
   <p:cSld>
     <p:bg>
@@ -22574,74 +20749,6 @@
           </a:fontRef>
         </p:style>
       </p:cxnSp>
-      <p:sp>
-        <p:nvSpPr>
-          <p:cNvPr id="10" name="직사각형 9"/>
-          <p:cNvSpPr/>
-          <p:nvPr/>
-        </p:nvSpPr>
-        <p:spPr>
-          <a:xfrm>
-            <a:off x="3646530" y="0"/>
-            <a:ext cx="4971967" cy="646331"/>
-          </a:xfrm>
-          <a:prstGeom prst="rect">
-            <a:avLst/>
-          </a:prstGeom>
-          <a:solidFill>
-            <a:srgbClr val="EAEEFA"/>
-          </a:solidFill>
-        </p:spPr>
-        <p:txBody>
-          <a:bodyPr wrap="square">
-            <a:spAutoFit/>
-          </a:bodyPr>
-          <a:lstStyle/>
-          <a:p>
-            <a:pPr algn="ctr" fontAlgn="base"/>
-            <a:r>
-              <a:rPr lang="ko-KR" altLang="en-US" b="1" dirty="0"/>
-              <a:t>방송을 통한 </a:t>
-            </a:r>
-            <a:r>
-              <a:rPr lang="ko-KR" altLang="en-US" b="1" dirty="0" err="1"/>
-              <a:t>루돌로지</a:t>
-            </a:r>
-            <a:r>
-              <a:rPr lang="ko-KR" altLang="en-US" b="1" dirty="0"/>
-              <a:t> 게임의 </a:t>
-            </a:r>
-            <a:r>
-              <a:rPr lang="ko-KR" altLang="en-US" b="1" dirty="0" err="1"/>
-              <a:t>스토리텔링</a:t>
-            </a:r>
-            <a:r>
-              <a:rPr lang="ko-KR" altLang="en-US" b="1" dirty="0"/>
-              <a:t> </a:t>
-            </a:r>
-            <a:r>
-              <a:rPr lang="en-US" altLang="ko-KR" b="1" dirty="0" smtClean="0"/>
-              <a:t/>
-            </a:r>
-            <a:br>
-              <a:rPr lang="en-US" altLang="ko-KR" b="1" dirty="0" smtClean="0"/>
-            </a:br>
-            <a:r>
-              <a:rPr lang="ko-KR" altLang="en-US" b="1" dirty="0" smtClean="0"/>
-              <a:t>획득과 </a:t>
-            </a:r>
-            <a:r>
-              <a:rPr lang="ko-KR" altLang="en-US" b="1" dirty="0"/>
-              <a:t>게임 기획에의 적용 </a:t>
-            </a:r>
-            <a:r>
-              <a:rPr lang="ko-KR" altLang="en-US" b="1" dirty="0" smtClean="0"/>
-              <a:t>연구</a:t>
-            </a:r>
-            <a:endParaRPr lang="ko-KR" altLang="en-US" b="1" dirty="0"/>
-          </a:p>
-        </p:txBody>
-      </p:sp>
       <p:sp>
         <p:nvSpPr>
           <p:cNvPr id="11" name="직사각형 10">
@@ -23696,7 +21803,7 @@
 </p:sld>
 </file>
 
-<file path=ppt/slides/slide4.xml><?xml version="1.0" encoding="utf-8"?>
+<file path=ppt/slides/slide3.xml><?xml version="1.0" encoding="utf-8"?>
 <p:sld xmlns:a="http://schemas.openxmlformats.org/drawingml/2006/main" xmlns:r="http://schemas.openxmlformats.org/officeDocument/2006/relationships" xmlns:p="http://schemas.openxmlformats.org/presentationml/2006/main">
   <p:cSld>
     <p:bg>
@@ -23791,74 +21898,6 @@
           </a:fontRef>
         </p:style>
       </p:cxnSp>
-      <p:sp>
-        <p:nvSpPr>
-          <p:cNvPr id="10" name="직사각형 9"/>
-          <p:cNvSpPr/>
-          <p:nvPr/>
-        </p:nvSpPr>
-        <p:spPr>
-          <a:xfrm>
-            <a:off x="3646530" y="0"/>
-            <a:ext cx="4971967" cy="646331"/>
-          </a:xfrm>
-          <a:prstGeom prst="rect">
-            <a:avLst/>
-          </a:prstGeom>
-          <a:solidFill>
-            <a:srgbClr val="EAEEFA"/>
-          </a:solidFill>
-        </p:spPr>
-        <p:txBody>
-          <a:bodyPr wrap="square">
-            <a:spAutoFit/>
-          </a:bodyPr>
-          <a:lstStyle/>
-          <a:p>
-            <a:pPr algn="ctr" fontAlgn="base"/>
-            <a:r>
-              <a:rPr lang="ko-KR" altLang="en-US" b="1" dirty="0"/>
-              <a:t>방송을 통한 </a:t>
-            </a:r>
-            <a:r>
-              <a:rPr lang="ko-KR" altLang="en-US" b="1" dirty="0" err="1"/>
-              <a:t>루돌로지</a:t>
-            </a:r>
-            <a:r>
-              <a:rPr lang="ko-KR" altLang="en-US" b="1" dirty="0"/>
-              <a:t> 게임의 </a:t>
-            </a:r>
-            <a:r>
-              <a:rPr lang="ko-KR" altLang="en-US" b="1" dirty="0" err="1"/>
-              <a:t>스토리텔링</a:t>
-            </a:r>
-            <a:r>
-              <a:rPr lang="ko-KR" altLang="en-US" b="1" dirty="0"/>
-              <a:t> </a:t>
-            </a:r>
-            <a:r>
-              <a:rPr lang="en-US" altLang="ko-KR" b="1" dirty="0" smtClean="0"/>
-              <a:t/>
-            </a:r>
-            <a:br>
-              <a:rPr lang="en-US" altLang="ko-KR" b="1" dirty="0" smtClean="0"/>
-            </a:br>
-            <a:r>
-              <a:rPr lang="ko-KR" altLang="en-US" b="1" dirty="0" smtClean="0"/>
-              <a:t>획득과 </a:t>
-            </a:r>
-            <a:r>
-              <a:rPr lang="ko-KR" altLang="en-US" b="1" dirty="0"/>
-              <a:t>게임 기획에의 적용 </a:t>
-            </a:r>
-            <a:r>
-              <a:rPr lang="ko-KR" altLang="en-US" b="1" dirty="0" smtClean="0"/>
-              <a:t>연구</a:t>
-            </a:r>
-            <a:endParaRPr lang="ko-KR" altLang="en-US" b="1" dirty="0"/>
-          </a:p>
-        </p:txBody>
-      </p:sp>
       <p:sp>
         <p:nvSpPr>
           <p:cNvPr id="11" name="직사각형 10">
@@ -24902,7 +22941,7 @@
 </p:sld>
 </file>
 
-<file path=ppt/slides/slide5.xml><?xml version="1.0" encoding="utf-8"?>
+<file path=ppt/slides/slide4.xml><?xml version="1.0" encoding="utf-8"?>
 <p:sld xmlns:a="http://schemas.openxmlformats.org/drawingml/2006/main" xmlns:r="http://schemas.openxmlformats.org/officeDocument/2006/relationships" xmlns:p="http://schemas.openxmlformats.org/presentationml/2006/main">
   <p:cSld>
     <p:bg>
@@ -24997,74 +23036,6 @@
           </a:fontRef>
         </p:style>
       </p:cxnSp>
-      <p:sp>
-        <p:nvSpPr>
-          <p:cNvPr id="24" name="직사각형 23"/>
-          <p:cNvSpPr/>
-          <p:nvPr/>
-        </p:nvSpPr>
-        <p:spPr>
-          <a:xfrm>
-            <a:off x="3646530" y="0"/>
-            <a:ext cx="4971967" cy="646331"/>
-          </a:xfrm>
-          <a:prstGeom prst="rect">
-            <a:avLst/>
-          </a:prstGeom>
-          <a:solidFill>
-            <a:srgbClr val="EAEEFA"/>
-          </a:solidFill>
-        </p:spPr>
-        <p:txBody>
-          <a:bodyPr wrap="square">
-            <a:spAutoFit/>
-          </a:bodyPr>
-          <a:lstStyle/>
-          <a:p>
-            <a:pPr algn="ctr" fontAlgn="base"/>
-            <a:r>
-              <a:rPr lang="ko-KR" altLang="en-US" b="1" dirty="0"/>
-              <a:t>방송을 통한 </a:t>
-            </a:r>
-            <a:r>
-              <a:rPr lang="ko-KR" altLang="en-US" b="1" dirty="0" err="1"/>
-              <a:t>루돌로지</a:t>
-            </a:r>
-            <a:r>
-              <a:rPr lang="ko-KR" altLang="en-US" b="1" dirty="0"/>
-              <a:t> 게임의 </a:t>
-            </a:r>
-            <a:r>
-              <a:rPr lang="ko-KR" altLang="en-US" b="1" dirty="0" err="1"/>
-              <a:t>스토리텔링</a:t>
-            </a:r>
-            <a:r>
-              <a:rPr lang="ko-KR" altLang="en-US" b="1" dirty="0"/>
-              <a:t> </a:t>
-            </a:r>
-            <a:r>
-              <a:rPr lang="en-US" altLang="ko-KR" b="1" dirty="0" smtClean="0"/>
-              <a:t/>
-            </a:r>
-            <a:br>
-              <a:rPr lang="en-US" altLang="ko-KR" b="1" dirty="0" smtClean="0"/>
-            </a:br>
-            <a:r>
-              <a:rPr lang="ko-KR" altLang="en-US" b="1" dirty="0" smtClean="0"/>
-              <a:t>획득과 </a:t>
-            </a:r>
-            <a:r>
-              <a:rPr lang="ko-KR" altLang="en-US" b="1" dirty="0"/>
-              <a:t>게임 기획에의 적용 </a:t>
-            </a:r>
-            <a:r>
-              <a:rPr lang="ko-KR" altLang="en-US" b="1" dirty="0" smtClean="0"/>
-              <a:t>연구</a:t>
-            </a:r>
-            <a:endParaRPr lang="ko-KR" altLang="en-US" b="1" dirty="0"/>
-          </a:p>
-        </p:txBody>
-      </p:sp>
       <p:sp>
         <p:nvSpPr>
           <p:cNvPr id="25" name="직사각형 24">
@@ -25487,7 +23458,7 @@
 </p:sld>
 </file>
 
-<file path=ppt/slides/slide6.xml><?xml version="1.0" encoding="utf-8"?>
+<file path=ppt/slides/slide5.xml><?xml version="1.0" encoding="utf-8"?>
 <p:sld xmlns:a="http://schemas.openxmlformats.org/drawingml/2006/main" xmlns:r="http://schemas.openxmlformats.org/officeDocument/2006/relationships" xmlns:p="http://schemas.openxmlformats.org/presentationml/2006/main">
   <p:cSld>
     <p:bg>
@@ -25582,74 +23553,6 @@
           </a:fontRef>
         </p:style>
       </p:cxnSp>
-      <p:sp>
-        <p:nvSpPr>
-          <p:cNvPr id="13" name="직사각형 12"/>
-          <p:cNvSpPr/>
-          <p:nvPr/>
-        </p:nvSpPr>
-        <p:spPr>
-          <a:xfrm>
-            <a:off x="3646530" y="0"/>
-            <a:ext cx="4971967" cy="646331"/>
-          </a:xfrm>
-          <a:prstGeom prst="rect">
-            <a:avLst/>
-          </a:prstGeom>
-          <a:solidFill>
-            <a:srgbClr val="EAEEFA"/>
-          </a:solidFill>
-        </p:spPr>
-        <p:txBody>
-          <a:bodyPr wrap="square">
-            <a:spAutoFit/>
-          </a:bodyPr>
-          <a:lstStyle/>
-          <a:p>
-            <a:pPr algn="ctr" fontAlgn="base"/>
-            <a:r>
-              <a:rPr lang="ko-KR" altLang="en-US" b="1" dirty="0"/>
-              <a:t>방송을 통한 </a:t>
-            </a:r>
-            <a:r>
-              <a:rPr lang="ko-KR" altLang="en-US" b="1" dirty="0" err="1"/>
-              <a:t>루돌로지</a:t>
-            </a:r>
-            <a:r>
-              <a:rPr lang="ko-KR" altLang="en-US" b="1" dirty="0"/>
-              <a:t> 게임의 </a:t>
-            </a:r>
-            <a:r>
-              <a:rPr lang="ko-KR" altLang="en-US" b="1" dirty="0" err="1"/>
-              <a:t>스토리텔링</a:t>
-            </a:r>
-            <a:r>
-              <a:rPr lang="ko-KR" altLang="en-US" b="1" dirty="0"/>
-              <a:t> </a:t>
-            </a:r>
-            <a:r>
-              <a:rPr lang="en-US" altLang="ko-KR" b="1" dirty="0" smtClean="0"/>
-              <a:t/>
-            </a:r>
-            <a:br>
-              <a:rPr lang="en-US" altLang="ko-KR" b="1" dirty="0" smtClean="0"/>
-            </a:br>
-            <a:r>
-              <a:rPr lang="ko-KR" altLang="en-US" b="1" dirty="0" smtClean="0"/>
-              <a:t>획득과 </a:t>
-            </a:r>
-            <a:r>
-              <a:rPr lang="ko-KR" altLang="en-US" b="1" dirty="0"/>
-              <a:t>게임 기획에의 적용 </a:t>
-            </a:r>
-            <a:r>
-              <a:rPr lang="ko-KR" altLang="en-US" b="1" dirty="0" smtClean="0"/>
-              <a:t>연구</a:t>
-            </a:r>
-            <a:endParaRPr lang="ko-KR" altLang="en-US" b="1" dirty="0"/>
-          </a:p>
-        </p:txBody>
-      </p:sp>
       <p:sp>
         <p:nvSpPr>
           <p:cNvPr id="14" name="직사각형 13">
@@ -26027,11 +23930,7 @@
                       <a:pPr algn="ctr" latinLnBrk="1"/>
                       <a:r>
                         <a:rPr lang="en-US" altLang="ko-KR" dirty="0" smtClean="0"/>
-                        <a:t>22.22 </a:t>
-                      </a:r>
-                      <a:r>
-                        <a:rPr lang="en-US" altLang="ko-KR" dirty="0" smtClean="0"/>
-                        <a:t>%</a:t>
+                        <a:t>22.22 %</a:t>
                       </a:r>
                       <a:endParaRPr lang="ko-KR" altLang="en-US" dirty="0"/>
                     </a:p>
@@ -26050,11 +23949,7 @@
                       </a:r>
                       <a:r>
                         <a:rPr lang="en-US" altLang="ko-KR" baseline="0" dirty="0" smtClean="0"/>
-                        <a:t> </a:t>
-                      </a:r>
-                      <a:r>
-                        <a:rPr lang="en-US" altLang="ko-KR" baseline="0" dirty="0" smtClean="0"/>
-                        <a:t>%</a:t>
+                        <a:t> %</a:t>
                       </a:r>
                       <a:endParaRPr lang="ko-KR" altLang="en-US" dirty="0"/>
                     </a:p>
@@ -26069,11 +23964,7 @@
                       <a:pPr algn="ctr" latinLnBrk="1"/>
                       <a:r>
                         <a:rPr lang="en-US" altLang="ko-KR" dirty="0" smtClean="0"/>
-                        <a:t>50 </a:t>
-                      </a:r>
-                      <a:r>
-                        <a:rPr lang="en-US" altLang="ko-KR" dirty="0" smtClean="0"/>
-                        <a:t>%</a:t>
+                        <a:t>50 %</a:t>
                       </a:r>
                     </a:p>
                   </a:txBody>
@@ -26490,7 +24381,7 @@
 </p:sld>
 </file>
 
-<file path=ppt/slides/slide7.xml><?xml version="1.0" encoding="utf-8"?>
+<file path=ppt/slides/slide6.xml><?xml version="1.0" encoding="utf-8"?>
 <p:sld xmlns:a="http://schemas.openxmlformats.org/drawingml/2006/main" xmlns:r="http://schemas.openxmlformats.org/officeDocument/2006/relationships" xmlns:p="http://schemas.openxmlformats.org/presentationml/2006/main">
   <p:cSld>
     <p:bg>
@@ -26585,74 +24476,6 @@
           </a:fontRef>
         </p:style>
       </p:cxnSp>
-      <p:sp>
-        <p:nvSpPr>
-          <p:cNvPr id="11" name="직사각형 10"/>
-          <p:cNvSpPr/>
-          <p:nvPr/>
-        </p:nvSpPr>
-        <p:spPr>
-          <a:xfrm>
-            <a:off x="3646530" y="0"/>
-            <a:ext cx="4971967" cy="646331"/>
-          </a:xfrm>
-          <a:prstGeom prst="rect">
-            <a:avLst/>
-          </a:prstGeom>
-          <a:solidFill>
-            <a:srgbClr val="EAEEFA"/>
-          </a:solidFill>
-        </p:spPr>
-        <p:txBody>
-          <a:bodyPr wrap="square">
-            <a:spAutoFit/>
-          </a:bodyPr>
-          <a:lstStyle/>
-          <a:p>
-            <a:pPr algn="ctr" fontAlgn="base"/>
-            <a:r>
-              <a:rPr lang="ko-KR" altLang="en-US" b="1" dirty="0"/>
-              <a:t>방송을 통한 </a:t>
-            </a:r>
-            <a:r>
-              <a:rPr lang="ko-KR" altLang="en-US" b="1" dirty="0" err="1"/>
-              <a:t>루돌로지</a:t>
-            </a:r>
-            <a:r>
-              <a:rPr lang="ko-KR" altLang="en-US" b="1" dirty="0"/>
-              <a:t> 게임의 </a:t>
-            </a:r>
-            <a:r>
-              <a:rPr lang="ko-KR" altLang="en-US" b="1" dirty="0" err="1"/>
-              <a:t>스토리텔링</a:t>
-            </a:r>
-            <a:r>
-              <a:rPr lang="ko-KR" altLang="en-US" b="1" dirty="0"/>
-              <a:t> </a:t>
-            </a:r>
-            <a:r>
-              <a:rPr lang="en-US" altLang="ko-KR" b="1" dirty="0" smtClean="0"/>
-              <a:t/>
-            </a:r>
-            <a:br>
-              <a:rPr lang="en-US" altLang="ko-KR" b="1" dirty="0" smtClean="0"/>
-            </a:br>
-            <a:r>
-              <a:rPr lang="ko-KR" altLang="en-US" b="1" dirty="0" smtClean="0"/>
-              <a:t>획득과 </a:t>
-            </a:r>
-            <a:r>
-              <a:rPr lang="ko-KR" altLang="en-US" b="1" dirty="0"/>
-              <a:t>게임 기획에의 적용 </a:t>
-            </a:r>
-            <a:r>
-              <a:rPr lang="ko-KR" altLang="en-US" b="1" dirty="0" smtClean="0"/>
-              <a:t>연구</a:t>
-            </a:r>
-            <a:endParaRPr lang="ko-KR" altLang="en-US" b="1" dirty="0"/>
-          </a:p>
-        </p:txBody>
-      </p:sp>
       <p:sp>
         <p:nvSpPr>
           <p:cNvPr id="15" name="직사각형 14">
@@ -27607,7 +25430,7 @@
 </p:sld>
 </file>
 
-<file path=ppt/slides/slide8.xml><?xml version="1.0" encoding="utf-8"?>
+<file path=ppt/slides/slide7.xml><?xml version="1.0" encoding="utf-8"?>
 <p:sld xmlns:a="http://schemas.openxmlformats.org/drawingml/2006/main" xmlns:r="http://schemas.openxmlformats.org/officeDocument/2006/relationships" xmlns:p="http://schemas.openxmlformats.org/presentationml/2006/main">
   <p:cSld>
     <p:bg>
@@ -27702,74 +25525,6 @@
           </a:fontRef>
         </p:style>
       </p:cxnSp>
-      <p:sp>
-        <p:nvSpPr>
-          <p:cNvPr id="11" name="직사각형 10"/>
-          <p:cNvSpPr/>
-          <p:nvPr/>
-        </p:nvSpPr>
-        <p:spPr>
-          <a:xfrm>
-            <a:off x="3646530" y="0"/>
-            <a:ext cx="4971967" cy="646331"/>
-          </a:xfrm>
-          <a:prstGeom prst="rect">
-            <a:avLst/>
-          </a:prstGeom>
-          <a:solidFill>
-            <a:srgbClr val="EAEEFA"/>
-          </a:solidFill>
-        </p:spPr>
-        <p:txBody>
-          <a:bodyPr wrap="square">
-            <a:spAutoFit/>
-          </a:bodyPr>
-          <a:lstStyle/>
-          <a:p>
-            <a:pPr algn="ctr" fontAlgn="base"/>
-            <a:r>
-              <a:rPr lang="ko-KR" altLang="en-US" b="1" dirty="0"/>
-              <a:t>방송을 통한 </a:t>
-            </a:r>
-            <a:r>
-              <a:rPr lang="ko-KR" altLang="en-US" b="1" dirty="0" err="1"/>
-              <a:t>루돌로지</a:t>
-            </a:r>
-            <a:r>
-              <a:rPr lang="ko-KR" altLang="en-US" b="1" dirty="0"/>
-              <a:t> 게임의 </a:t>
-            </a:r>
-            <a:r>
-              <a:rPr lang="ko-KR" altLang="en-US" b="1" dirty="0" err="1"/>
-              <a:t>스토리텔링</a:t>
-            </a:r>
-            <a:r>
-              <a:rPr lang="ko-KR" altLang="en-US" b="1" dirty="0"/>
-              <a:t> </a:t>
-            </a:r>
-            <a:r>
-              <a:rPr lang="en-US" altLang="ko-KR" b="1" dirty="0" smtClean="0"/>
-              <a:t/>
-            </a:r>
-            <a:br>
-              <a:rPr lang="en-US" altLang="ko-KR" b="1" dirty="0" smtClean="0"/>
-            </a:br>
-            <a:r>
-              <a:rPr lang="ko-KR" altLang="en-US" b="1" dirty="0" smtClean="0"/>
-              <a:t>획득과 </a:t>
-            </a:r>
-            <a:r>
-              <a:rPr lang="ko-KR" altLang="en-US" b="1" dirty="0"/>
-              <a:t>게임 기획에의 적용 </a:t>
-            </a:r>
-            <a:r>
-              <a:rPr lang="ko-KR" altLang="en-US" b="1" dirty="0" smtClean="0"/>
-              <a:t>연구</a:t>
-            </a:r>
-            <a:endParaRPr lang="ko-KR" altLang="en-US" b="1" dirty="0"/>
-          </a:p>
-        </p:txBody>
-      </p:sp>
       <p:sp>
         <p:nvSpPr>
           <p:cNvPr id="15" name="직사각형 14">
@@ -28876,7 +26631,7 @@
 </p:sld>
 </file>
 
-<file path=ppt/slides/slide9.xml><?xml version="1.0" encoding="utf-8"?>
+<file path=ppt/slides/slide8.xml><?xml version="1.0" encoding="utf-8"?>
 <p:sld xmlns:a="http://schemas.openxmlformats.org/drawingml/2006/main" xmlns:r="http://schemas.openxmlformats.org/officeDocument/2006/relationships" xmlns:p="http://schemas.openxmlformats.org/presentationml/2006/main">
   <p:cSld>
     <p:bg>
@@ -28971,74 +26726,6 @@
           </a:fontRef>
         </p:style>
       </p:cxnSp>
-      <p:sp>
-        <p:nvSpPr>
-          <p:cNvPr id="11" name="직사각형 10"/>
-          <p:cNvSpPr/>
-          <p:nvPr/>
-        </p:nvSpPr>
-        <p:spPr>
-          <a:xfrm>
-            <a:off x="3646530" y="0"/>
-            <a:ext cx="4971967" cy="646331"/>
-          </a:xfrm>
-          <a:prstGeom prst="rect">
-            <a:avLst/>
-          </a:prstGeom>
-          <a:solidFill>
-            <a:srgbClr val="EAEEFA"/>
-          </a:solidFill>
-        </p:spPr>
-        <p:txBody>
-          <a:bodyPr wrap="square">
-            <a:spAutoFit/>
-          </a:bodyPr>
-          <a:lstStyle/>
-          <a:p>
-            <a:pPr algn="ctr" fontAlgn="base"/>
-            <a:r>
-              <a:rPr lang="ko-KR" altLang="en-US" b="1" dirty="0"/>
-              <a:t>방송을 통한 </a:t>
-            </a:r>
-            <a:r>
-              <a:rPr lang="ko-KR" altLang="en-US" b="1" dirty="0" err="1"/>
-              <a:t>루돌로지</a:t>
-            </a:r>
-            <a:r>
-              <a:rPr lang="ko-KR" altLang="en-US" b="1" dirty="0"/>
-              <a:t> 게임의 </a:t>
-            </a:r>
-            <a:r>
-              <a:rPr lang="ko-KR" altLang="en-US" b="1" dirty="0" err="1"/>
-              <a:t>스토리텔링</a:t>
-            </a:r>
-            <a:r>
-              <a:rPr lang="ko-KR" altLang="en-US" b="1" dirty="0"/>
-              <a:t> </a:t>
-            </a:r>
-            <a:r>
-              <a:rPr lang="en-US" altLang="ko-KR" b="1" dirty="0" smtClean="0"/>
-              <a:t/>
-            </a:r>
-            <a:br>
-              <a:rPr lang="en-US" altLang="ko-KR" b="1" dirty="0" smtClean="0"/>
-            </a:br>
-            <a:r>
-              <a:rPr lang="ko-KR" altLang="en-US" b="1" dirty="0" smtClean="0"/>
-              <a:t>획득과 </a:t>
-            </a:r>
-            <a:r>
-              <a:rPr lang="ko-KR" altLang="en-US" b="1" dirty="0"/>
-              <a:t>게임 기획에의 적용 </a:t>
-            </a:r>
-            <a:r>
-              <a:rPr lang="ko-KR" altLang="en-US" b="1" dirty="0" smtClean="0"/>
-              <a:t>연구</a:t>
-            </a:r>
-            <a:endParaRPr lang="ko-KR" altLang="en-US" b="1" dirty="0"/>
-          </a:p>
-        </p:txBody>
-      </p:sp>
       <p:sp>
         <p:nvSpPr>
           <p:cNvPr id="15" name="직사각형 14">
@@ -29449,11 +27136,7 @@
                       <a:pPr algn="ctr" latinLnBrk="1"/>
                       <a:r>
                         <a:rPr lang="en-US" altLang="ko-KR" sz="1400" dirty="0" smtClean="0"/>
-                        <a:t>20 </a:t>
-                      </a:r>
-                      <a:r>
-                        <a:rPr lang="en-US" altLang="ko-KR" sz="1400" dirty="0" smtClean="0"/>
-                        <a:t>%</a:t>
+                        <a:t>20 %</a:t>
                       </a:r>
                       <a:endParaRPr lang="ko-KR" altLang="en-US" sz="1400" dirty="0"/>
                     </a:p>
@@ -29468,11 +27151,7 @@
                       <a:pPr algn="ctr" latinLnBrk="1"/>
                       <a:r>
                         <a:rPr lang="en-US" altLang="ko-KR" sz="1400" dirty="0" smtClean="0"/>
-                        <a:t>33.33 </a:t>
-                      </a:r>
-                      <a:r>
-                        <a:rPr lang="en-US" altLang="ko-KR" sz="1400" dirty="0" smtClean="0"/>
-                        <a:t>%</a:t>
+                        <a:t>33.33 %</a:t>
                       </a:r>
                       <a:endParaRPr lang="ko-KR" altLang="en-US" sz="1400" dirty="0"/>
                     </a:p>
@@ -29487,11 +27166,7 @@
                       <a:pPr algn="ctr" latinLnBrk="1"/>
                       <a:r>
                         <a:rPr lang="en-US" altLang="ko-KR" sz="1400" dirty="0" smtClean="0"/>
-                        <a:t>46.66 </a:t>
-                      </a:r>
-                      <a:r>
-                        <a:rPr lang="en-US" altLang="ko-KR" sz="1400" dirty="0" smtClean="0"/>
-                        <a:t>%</a:t>
+                        <a:t>46.66 %</a:t>
                       </a:r>
                     </a:p>
                   </a:txBody>
@@ -30104,6 +27779,545 @@
 </p:sld>
 </file>
 
+<file path=ppt/slides/slide9.xml><?xml version="1.0" encoding="utf-8"?>
+<p:sld xmlns:a="http://schemas.openxmlformats.org/drawingml/2006/main" xmlns:r="http://schemas.openxmlformats.org/officeDocument/2006/relationships" xmlns:p="http://schemas.openxmlformats.org/presentationml/2006/main">
+  <p:cSld>
+    <p:bg>
+      <p:bgPr>
+        <a:solidFill>
+          <a:srgbClr val="EAEEFA"/>
+        </a:solidFill>
+        <a:effectLst/>
+      </p:bgPr>
+    </p:bg>
+    <p:spTree>
+      <p:nvGrpSpPr>
+        <p:cNvPr id="1" name=""/>
+        <p:cNvGrpSpPr/>
+        <p:nvPr/>
+      </p:nvGrpSpPr>
+      <p:grpSpPr>
+        <a:xfrm>
+          <a:off x="0" y="0"/>
+          <a:ext cx="0" cy="0"/>
+          <a:chOff x="0" y="0"/>
+          <a:chExt cx="0" cy="0"/>
+        </a:xfrm>
+      </p:grpSpPr>
+      <p:cxnSp>
+        <p:nvCxnSpPr>
+          <p:cNvPr id="8" name="직선 연결선 7"/>
+          <p:cNvCxnSpPr/>
+          <p:nvPr/>
+        </p:nvCxnSpPr>
+        <p:spPr>
+          <a:xfrm>
+            <a:off x="605680" y="6678910"/>
+            <a:ext cx="10800000" cy="0"/>
+          </a:xfrm>
+          <a:prstGeom prst="line">
+            <a:avLst/>
+          </a:prstGeom>
+          <a:ln>
+            <a:solidFill>
+              <a:srgbClr val="D02646"/>
+            </a:solidFill>
+          </a:ln>
+        </p:spPr>
+        <p:style>
+          <a:lnRef idx="1">
+            <a:schemeClr val="accent1"/>
+          </a:lnRef>
+          <a:fillRef idx="0">
+            <a:schemeClr val="accent1"/>
+          </a:fillRef>
+          <a:effectRef idx="0">
+            <a:schemeClr val="accent1"/>
+          </a:effectRef>
+          <a:fontRef idx="minor">
+            <a:schemeClr val="tx1"/>
+          </a:fontRef>
+        </p:style>
+      </p:cxnSp>
+      <p:cxnSp>
+        <p:nvCxnSpPr>
+          <p:cNvPr id="10" name="직선 연결선 9"/>
+          <p:cNvCxnSpPr/>
+          <p:nvPr/>
+        </p:nvCxnSpPr>
+        <p:spPr>
+          <a:xfrm>
+            <a:off x="589055" y="427040"/>
+            <a:ext cx="10800000" cy="0"/>
+          </a:xfrm>
+          <a:prstGeom prst="line">
+            <a:avLst/>
+          </a:prstGeom>
+          <a:ln>
+            <a:solidFill>
+              <a:srgbClr val="D02646"/>
+            </a:solidFill>
+          </a:ln>
+        </p:spPr>
+        <p:style>
+          <a:lnRef idx="1">
+            <a:schemeClr val="accent1"/>
+          </a:lnRef>
+          <a:fillRef idx="0">
+            <a:schemeClr val="accent1"/>
+          </a:fillRef>
+          <a:effectRef idx="0">
+            <a:schemeClr val="accent1"/>
+          </a:effectRef>
+          <a:fontRef idx="minor">
+            <a:schemeClr val="tx1"/>
+          </a:fontRef>
+        </p:style>
+      </p:cxnSp>
+      <p:sp>
+        <p:nvSpPr>
+          <p:cNvPr id="15" name="직사각형 14">
+            <a:extLst>
+              <a:ext uri="{FF2B5EF4-FFF2-40B4-BE49-F238E27FC236}">
+                <a16:creationId xmlns:a16="http://schemas.microsoft.com/office/drawing/2014/main" id="{3FA00699-5178-465A-9F3F-130CF1431F70}"/>
+              </a:ext>
+            </a:extLst>
+          </p:cNvPr>
+          <p:cNvSpPr/>
+          <p:nvPr/>
+        </p:nvSpPr>
+        <p:spPr>
+          <a:xfrm>
+            <a:off x="589055" y="52289"/>
+            <a:ext cx="5287779" cy="373885"/>
+          </a:xfrm>
+          <a:prstGeom prst="rect">
+            <a:avLst/>
+          </a:prstGeom>
+        </p:spPr>
+        <p:txBody>
+          <a:bodyPr wrap="square" anchor="ctr">
+            <a:spAutoFit/>
+          </a:bodyPr>
+          <a:lstStyle/>
+          <a:p>
+            <a:pPr>
+              <a:lnSpc>
+                <a:spcPct val="150000"/>
+              </a:lnSpc>
+            </a:pPr>
+            <a:r>
+              <a:rPr lang="en-US" altLang="ko-KR" sz="1400" b="1" dirty="0"/>
+              <a:t>3. </a:t>
+            </a:r>
+            <a:r>
+              <a:rPr lang="ko-KR" altLang="en-US" sz="1400" b="1" dirty="0"/>
+              <a:t>영상 카테고리화 </a:t>
+            </a:r>
+            <a:r>
+              <a:rPr lang="en-US" altLang="ko-KR" sz="1400" b="1" dirty="0"/>
+              <a:t>– </a:t>
+            </a:r>
+            <a:r>
+              <a:rPr lang="ko-KR" altLang="en-US" sz="1400" b="1" dirty="0"/>
+              <a:t>타 장르</a:t>
+            </a:r>
+            <a:endParaRPr lang="en-US" altLang="ko-KR" sz="1400" b="1" dirty="0"/>
+          </a:p>
+        </p:txBody>
+      </p:sp>
+      <p:sp>
+        <p:nvSpPr>
+          <p:cNvPr id="20" name="직사각형 19">
+            <a:extLst>
+              <a:ext uri="{FF2B5EF4-FFF2-40B4-BE49-F238E27FC236}">
+                <a16:creationId xmlns:a16="http://schemas.microsoft.com/office/drawing/2014/main" id="{3FA00699-5178-465A-9F3F-130CF1431F70}"/>
+              </a:ext>
+            </a:extLst>
+          </p:cNvPr>
+          <p:cNvSpPr/>
+          <p:nvPr/>
+        </p:nvSpPr>
+        <p:spPr>
+          <a:xfrm>
+            <a:off x="589054" y="547161"/>
+            <a:ext cx="4714466" cy="646331"/>
+          </a:xfrm>
+          <a:prstGeom prst="rect">
+            <a:avLst/>
+          </a:prstGeom>
+        </p:spPr>
+        <p:txBody>
+          <a:bodyPr wrap="square" anchor="ctr">
+            <a:spAutoFit/>
+          </a:bodyPr>
+          <a:lstStyle/>
+          <a:p>
+            <a:pPr>
+              <a:lnSpc>
+                <a:spcPct val="150000"/>
+              </a:lnSpc>
+            </a:pPr>
+            <a:r>
+              <a:rPr lang="ko-KR" altLang="en-US" sz="2400" b="1" dirty="0" err="1" smtClean="0">
+                <a:solidFill>
+                  <a:srgbClr val="44546A">
+                    <a:lumMod val="75000"/>
+                  </a:srgbClr>
+                </a:solidFill>
+              </a:rPr>
+              <a:t>옥냥</a:t>
+            </a:r>
+            <a:r>
+              <a:rPr lang="ko-KR" altLang="en-US" sz="2400" b="1" dirty="0" err="1">
+                <a:solidFill>
+                  <a:srgbClr val="44546A">
+                    <a:lumMod val="75000"/>
+                  </a:srgbClr>
+                </a:solidFill>
+              </a:rPr>
+              <a:t>이</a:t>
+            </a:r>
+            <a:r>
+              <a:rPr lang="en-US" altLang="ko-KR" sz="2400" b="1" dirty="0" smtClean="0">
+                <a:solidFill>
+                  <a:srgbClr val="44546A">
+                    <a:lumMod val="75000"/>
+                  </a:srgbClr>
+                </a:solidFill>
+              </a:rPr>
+              <a:t>(Hearthstone) </a:t>
+            </a:r>
+            <a:r>
+              <a:rPr lang="ko-KR" altLang="en-US" sz="2400" b="1" dirty="0" smtClean="0">
+                <a:solidFill>
+                  <a:srgbClr val="44546A">
+                    <a:lumMod val="75000"/>
+                  </a:srgbClr>
+                </a:solidFill>
+              </a:rPr>
+              <a:t>영상 작업</a:t>
+            </a:r>
+            <a:endParaRPr lang="en-US" altLang="ko-KR" sz="2400" b="1" dirty="0">
+              <a:solidFill>
+                <a:srgbClr val="44546A">
+                  <a:lumMod val="75000"/>
+                </a:srgbClr>
+              </a:solidFill>
+            </a:endParaRPr>
+          </a:p>
+        </p:txBody>
+      </p:sp>
+      <p:pic>
+        <p:nvPicPr>
+          <p:cNvPr id="5122" name="Picture 2"/>
+          <p:cNvPicPr>
+            <a:picLocks noChangeAspect="1" noChangeArrowheads="1"/>
+          </p:cNvPicPr>
+          <p:nvPr/>
+        </p:nvPicPr>
+        <p:blipFill>
+          <a:blip r:embed="rId2">
+            <a:extLst>
+              <a:ext uri="{28A0092B-C50C-407E-A947-70E740481C1C}">
+                <a14:useLocalDpi xmlns:a14="http://schemas.microsoft.com/office/drawing/2010/main" val="0"/>
+              </a:ext>
+            </a:extLst>
+          </a:blip>
+          <a:srcRect/>
+          <a:stretch>
+            <a:fillRect/>
+          </a:stretch>
+        </p:blipFill>
+        <p:spPr bwMode="auto">
+          <a:xfrm>
+            <a:off x="589053" y="1306627"/>
+            <a:ext cx="5863998" cy="4993770"/>
+          </a:xfrm>
+          <a:prstGeom prst="rect">
+            <a:avLst/>
+          </a:prstGeom>
+          <a:noFill/>
+          <a:ln>
+            <a:noFill/>
+          </a:ln>
+          <a:effectLst/>
+          <a:extLst>
+            <a:ext uri="{909E8E84-426E-40DD-AFC4-6F175D3DCCD1}">
+              <a14:hiddenFill xmlns:a14="http://schemas.microsoft.com/office/drawing/2010/main">
+                <a:solidFill>
+                  <a:schemeClr val="accent1"/>
+                </a:solidFill>
+              </a14:hiddenFill>
+            </a:ext>
+            <a:ext uri="{91240B29-F687-4F45-9708-019B960494DF}">
+              <a14:hiddenLine xmlns:a14="http://schemas.microsoft.com/office/drawing/2010/main" w="9525">
+                <a:solidFill>
+                  <a:schemeClr val="tx1"/>
+                </a:solidFill>
+                <a:miter lim="800000"/>
+                <a:headEnd/>
+                <a:tailEnd/>
+              </a14:hiddenLine>
+            </a:ext>
+            <a:ext uri="{AF507438-7753-43E0-B8FC-AC1667EBCBE1}">
+              <a14:hiddenEffects xmlns:a14="http://schemas.microsoft.com/office/drawing/2010/main">
+                <a:effectLst>
+                  <a:outerShdw dist="35921" dir="2700000" algn="ctr" rotWithShape="0">
+                    <a:schemeClr val="bg2"/>
+                  </a:outerShdw>
+                </a:effectLst>
+              </a14:hiddenEffects>
+            </a:ext>
+          </a:extLst>
+        </p:spPr>
+      </p:pic>
+      <p:pic>
+        <p:nvPicPr>
+          <p:cNvPr id="5124" name="Picture 4"/>
+          <p:cNvPicPr>
+            <a:picLocks noChangeAspect="1" noChangeArrowheads="1"/>
+          </p:cNvPicPr>
+          <p:nvPr/>
+        </p:nvPicPr>
+        <p:blipFill>
+          <a:blip r:embed="rId3">
+            <a:extLst>
+              <a:ext uri="{28A0092B-C50C-407E-A947-70E740481C1C}">
+                <a14:useLocalDpi xmlns:a14="http://schemas.microsoft.com/office/drawing/2010/main" val="0"/>
+              </a:ext>
+            </a:extLst>
+          </a:blip>
+          <a:srcRect/>
+          <a:stretch>
+            <a:fillRect/>
+          </a:stretch>
+        </p:blipFill>
+        <p:spPr bwMode="auto">
+          <a:xfrm>
+            <a:off x="7077099" y="3010716"/>
+            <a:ext cx="4515997" cy="1110887"/>
+          </a:xfrm>
+          <a:prstGeom prst="rect">
+            <a:avLst/>
+          </a:prstGeom>
+          <a:noFill/>
+          <a:ln>
+            <a:noFill/>
+          </a:ln>
+          <a:effectLst/>
+          <a:extLst>
+            <a:ext uri="{909E8E84-426E-40DD-AFC4-6F175D3DCCD1}">
+              <a14:hiddenFill xmlns:a14="http://schemas.microsoft.com/office/drawing/2010/main">
+                <a:solidFill>
+                  <a:schemeClr val="accent1"/>
+                </a:solidFill>
+              </a14:hiddenFill>
+            </a:ext>
+            <a:ext uri="{91240B29-F687-4F45-9708-019B960494DF}">
+              <a14:hiddenLine xmlns:a14="http://schemas.microsoft.com/office/drawing/2010/main" w="9525">
+                <a:solidFill>
+                  <a:schemeClr val="tx1"/>
+                </a:solidFill>
+                <a:miter lim="800000"/>
+                <a:headEnd/>
+                <a:tailEnd/>
+              </a14:hiddenLine>
+            </a:ext>
+            <a:ext uri="{AF507438-7753-43E0-B8FC-AC1667EBCBE1}">
+              <a14:hiddenEffects xmlns:a14="http://schemas.microsoft.com/office/drawing/2010/main">
+                <a:effectLst>
+                  <a:outerShdw dist="35921" dir="2700000" algn="ctr" rotWithShape="0">
+                    <a:schemeClr val="bg2"/>
+                  </a:outerShdw>
+                </a:effectLst>
+              </a14:hiddenEffects>
+            </a:ext>
+          </a:extLst>
+        </p:spPr>
+      </p:pic>
+      <p:sp>
+        <p:nvSpPr>
+          <p:cNvPr id="19" name="액자 18"/>
+          <p:cNvSpPr/>
+          <p:nvPr/>
+        </p:nvSpPr>
+        <p:spPr>
+          <a:xfrm>
+            <a:off x="1495451" y="1807296"/>
+            <a:ext cx="2151079" cy="766087"/>
+          </a:xfrm>
+          <a:prstGeom prst="frame">
+            <a:avLst>
+              <a:gd name="adj1" fmla="val 3903"/>
+            </a:avLst>
+          </a:prstGeom>
+          <a:solidFill>
+            <a:srgbClr val="FF0000"/>
+          </a:solidFill>
+          <a:ln>
+            <a:solidFill>
+              <a:srgbClr val="FF0000"/>
+            </a:solidFill>
+          </a:ln>
+        </p:spPr>
+        <p:style>
+          <a:lnRef idx="2">
+            <a:schemeClr val="accent1">
+              <a:shade val="50000"/>
+            </a:schemeClr>
+          </a:lnRef>
+          <a:fillRef idx="1">
+            <a:schemeClr val="accent1"/>
+          </a:fillRef>
+          <a:effectRef idx="0">
+            <a:schemeClr val="accent1"/>
+          </a:effectRef>
+          <a:fontRef idx="minor">
+            <a:schemeClr val="lt1"/>
+          </a:fontRef>
+        </p:style>
+        <p:txBody>
+          <a:bodyPr rtlCol="0" anchor="ctr"/>
+          <a:lstStyle/>
+          <a:p>
+            <a:pPr algn="ctr"/>
+            <a:endParaRPr lang="ko-KR" altLang="en-US">
+              <a:solidFill>
+                <a:schemeClr val="tx1"/>
+              </a:solidFill>
+            </a:endParaRPr>
+          </a:p>
+        </p:txBody>
+      </p:sp>
+      <p:sp>
+        <p:nvSpPr>
+          <p:cNvPr id="17" name="액자 16"/>
+          <p:cNvSpPr/>
+          <p:nvPr/>
+        </p:nvSpPr>
+        <p:spPr>
+          <a:xfrm>
+            <a:off x="1495451" y="3566160"/>
+            <a:ext cx="4957600" cy="671918"/>
+          </a:xfrm>
+          <a:prstGeom prst="frame">
+            <a:avLst>
+              <a:gd name="adj1" fmla="val 3903"/>
+            </a:avLst>
+          </a:prstGeom>
+          <a:solidFill>
+            <a:srgbClr val="FF0000"/>
+          </a:solidFill>
+          <a:ln>
+            <a:solidFill>
+              <a:srgbClr val="FF0000"/>
+            </a:solidFill>
+          </a:ln>
+        </p:spPr>
+        <p:style>
+          <a:lnRef idx="2">
+            <a:schemeClr val="accent1">
+              <a:shade val="50000"/>
+            </a:schemeClr>
+          </a:lnRef>
+          <a:fillRef idx="1">
+            <a:schemeClr val="accent1"/>
+          </a:fillRef>
+          <a:effectRef idx="0">
+            <a:schemeClr val="accent1"/>
+          </a:effectRef>
+          <a:fontRef idx="minor">
+            <a:schemeClr val="lt1"/>
+          </a:fontRef>
+        </p:style>
+        <p:txBody>
+          <a:bodyPr rtlCol="0" anchor="ctr"/>
+          <a:lstStyle/>
+          <a:p>
+            <a:pPr algn="ctr"/>
+            <a:endParaRPr lang="ko-KR" altLang="en-US">
+              <a:solidFill>
+                <a:schemeClr val="tx1"/>
+              </a:solidFill>
+            </a:endParaRPr>
+          </a:p>
+        </p:txBody>
+      </p:sp>
+      <p:sp>
+        <p:nvSpPr>
+          <p:cNvPr id="18" name="액자 17"/>
+          <p:cNvSpPr/>
+          <p:nvPr/>
+        </p:nvSpPr>
+        <p:spPr>
+          <a:xfrm>
+            <a:off x="1692343" y="5342708"/>
+            <a:ext cx="2814343" cy="671918"/>
+          </a:xfrm>
+          <a:prstGeom prst="frame">
+            <a:avLst>
+              <a:gd name="adj1" fmla="val 3903"/>
+            </a:avLst>
+          </a:prstGeom>
+          <a:solidFill>
+            <a:srgbClr val="FF0000"/>
+          </a:solidFill>
+          <a:ln>
+            <a:solidFill>
+              <a:srgbClr val="FF0000"/>
+            </a:solidFill>
+          </a:ln>
+        </p:spPr>
+        <p:style>
+          <a:lnRef idx="2">
+            <a:schemeClr val="accent1">
+              <a:shade val="50000"/>
+            </a:schemeClr>
+          </a:lnRef>
+          <a:fillRef idx="1">
+            <a:schemeClr val="accent1"/>
+          </a:fillRef>
+          <a:effectRef idx="0">
+            <a:schemeClr val="accent1"/>
+          </a:effectRef>
+          <a:fontRef idx="minor">
+            <a:schemeClr val="lt1"/>
+          </a:fontRef>
+        </p:style>
+        <p:txBody>
+          <a:bodyPr rtlCol="0" anchor="ctr"/>
+          <a:lstStyle/>
+          <a:p>
+            <a:pPr algn="ctr"/>
+            <a:endParaRPr lang="ko-KR" altLang="en-US">
+              <a:solidFill>
+                <a:schemeClr val="tx1"/>
+              </a:solidFill>
+            </a:endParaRPr>
+          </a:p>
+        </p:txBody>
+      </p:sp>
+    </p:spTree>
+    <p:extLst>
+      <p:ext uri="{BB962C8B-B14F-4D97-AF65-F5344CB8AC3E}">
+        <p14:creationId xmlns:p14="http://schemas.microsoft.com/office/powerpoint/2010/main" val="735351560"/>
+      </p:ext>
+    </p:extLst>
+  </p:cSld>
+  <p:clrMapOvr>
+    <a:masterClrMapping/>
+  </p:clrMapOvr>
+  <p:timing>
+    <p:tnLst>
+      <p:par>
+        <p:cTn id="1" dur="indefinite" restart="never" nodeType="tmRoot"/>
+      </p:par>
+    </p:tnLst>
+  </p:timing>
+</p:sld>
+</file>
+
 <file path=ppt/theme/theme1.xml><?xml version="1.0" encoding="utf-8"?>
 <a:theme xmlns:a="http://schemas.openxmlformats.org/drawingml/2006/main" name="1_Office 테마">
   <a:themeElements>
